--- a/S系列源表操作手册v1.0.pptx
+++ b/S系列源表操作手册v1.0.pptx
@@ -5,21 +5,21 @@
     <p:sldMasterId id="2147483648" r:id="rId1"/>
   </p:sldMasterIdLst>
   <p:sldIdLst>
-    <p:sldId id="256" r:id="rId2"/>
-    <p:sldId id="259" r:id="rId3"/>
-    <p:sldId id="260" r:id="rId4"/>
-    <p:sldId id="261" r:id="rId5"/>
-    <p:sldId id="262" r:id="rId6"/>
-    <p:sldId id="264" r:id="rId7"/>
-    <p:sldId id="265" r:id="rId8"/>
-    <p:sldId id="271" r:id="rId9"/>
-    <p:sldId id="272" r:id="rId10"/>
-    <p:sldId id="274" r:id="rId11"/>
-    <p:sldId id="266" r:id="rId12"/>
-    <p:sldId id="267" r:id="rId13"/>
-    <p:sldId id="268" r:id="rId14"/>
-    <p:sldId id="280" r:id="rId15"/>
-    <p:sldId id="273" r:id="rId16"/>
+    <p:sldId id="256" r:id="rId3"/>
+    <p:sldId id="259" r:id="rId4"/>
+    <p:sldId id="260" r:id="rId5"/>
+    <p:sldId id="261" r:id="rId6"/>
+    <p:sldId id="262" r:id="rId7"/>
+    <p:sldId id="264" r:id="rId8"/>
+    <p:sldId id="265" r:id="rId9"/>
+    <p:sldId id="271" r:id="rId10"/>
+    <p:sldId id="272" r:id="rId11"/>
+    <p:sldId id="274" r:id="rId12"/>
+    <p:sldId id="266" r:id="rId13"/>
+    <p:sldId id="267" r:id="rId14"/>
+    <p:sldId id="268" r:id="rId15"/>
+    <p:sldId id="280" r:id="rId16"/>
+    <p:sldId id="273" r:id="rId17"/>
   </p:sldIdLst>
   <p:sldSz cx="6858000" cy="9902825"/>
   <p:notesSz cx="6858000" cy="9144000"/>
@@ -421,6 +421,13 @@
               </a:rPr>
               <a:t>声明：本文件所有权和解释权归武汉普赛斯仪表有限公司所有，未经武汉普赛斯仪表有限公司书面许可，不得复制或向第三方公开。</a:t>
             </a:r>
+            <a:endParaRPr lang="zh-CN" altLang="en-US" sz="900">
+              <a:solidFill>
+                <a:srgbClr val="595959"/>
+              </a:solidFill>
+              <a:latin typeface="微软雅黑" panose="020B0503020204020204" charset="-122"/>
+              <a:ea typeface="微软雅黑" panose="020B0503020204020204" charset="-122"/>
+            </a:endParaRPr>
           </a:p>
         </p:txBody>
       </p:sp>
@@ -460,6 +467,13 @@
               </a:rPr>
               <a:t>操作手册</a:t>
             </a:r>
+            <a:endParaRPr lang="zh-CN" altLang="en-US" sz="2800">
+              <a:solidFill>
+                <a:srgbClr val="595959"/>
+              </a:solidFill>
+              <a:latin typeface="微软雅黑" panose="020B0503020204020204" charset="-122"/>
+              <a:ea typeface="微软雅黑" panose="020B0503020204020204" charset="-122"/>
+            </a:endParaRPr>
           </a:p>
         </p:txBody>
       </p:sp>
@@ -577,6 +591,13 @@
               </a:rPr>
               <a:t>武汉普赛斯仪表有限公司</a:t>
             </a:r>
+            <a:endParaRPr lang="zh-CN" altLang="en-US" sz="1600" b="1">
+              <a:solidFill>
+                <a:schemeClr val="bg1"/>
+              </a:solidFill>
+              <a:latin typeface="微软雅黑" panose="020B0503020204020204" charset="-122"/>
+              <a:ea typeface="微软雅黑" panose="020B0503020204020204" charset="-122"/>
+            </a:endParaRPr>
           </a:p>
           <a:p>
             <a:pPr lvl="0">
@@ -594,6 +615,13 @@
               </a:rPr>
               <a:t>地址：武汉东湖开发区308号光谷动力绿色环保产业园8栋102室 </a:t>
             </a:r>
+            <a:endParaRPr lang="zh-CN" altLang="en-US" sz="1000">
+              <a:solidFill>
+                <a:schemeClr val="bg1"/>
+              </a:solidFill>
+              <a:latin typeface="微软雅黑" panose="020B0503020204020204" charset="-122"/>
+              <a:ea typeface="微软雅黑" panose="020B0503020204020204" charset="-122"/>
+            </a:endParaRPr>
           </a:p>
           <a:p>
             <a:pPr lvl="0">
@@ -611,6 +639,13 @@
               </a:rPr>
               <a:t>网址：www.whpssins.com</a:t>
             </a:r>
+            <a:endParaRPr lang="zh-CN" altLang="en-US" sz="1000">
+              <a:solidFill>
+                <a:schemeClr val="bg1"/>
+              </a:solidFill>
+              <a:latin typeface="微软雅黑" panose="020B0503020204020204" charset="-122"/>
+              <a:ea typeface="微软雅黑" panose="020B0503020204020204" charset="-122"/>
+            </a:endParaRPr>
           </a:p>
           <a:p>
             <a:pPr lvl="0">
@@ -628,6 +663,13 @@
               </a:rPr>
               <a:t>邮箱：pss@whprecise.com</a:t>
             </a:r>
+            <a:endParaRPr lang="zh-CN" altLang="en-US" sz="1000">
+              <a:solidFill>
+                <a:schemeClr val="bg1"/>
+              </a:solidFill>
+              <a:latin typeface="微软雅黑" panose="020B0503020204020204" charset="-122"/>
+              <a:ea typeface="微软雅黑" panose="020B0503020204020204" charset="-122"/>
+            </a:endParaRPr>
           </a:p>
           <a:p>
             <a:pPr lvl="0">
@@ -645,6 +687,13 @@
               </a:rPr>
               <a:t>电话：027-87993690</a:t>
             </a:r>
+            <a:endParaRPr lang="zh-CN" altLang="en-US" sz="1000">
+              <a:solidFill>
+                <a:schemeClr val="bg1"/>
+              </a:solidFill>
+              <a:latin typeface="微软雅黑" panose="020B0503020204020204" charset="-122"/>
+              <a:ea typeface="微软雅黑" panose="020B0503020204020204" charset="-122"/>
+            </a:endParaRPr>
           </a:p>
         </p:txBody>
       </p:sp>
@@ -791,8 +840,6 @@
                 <a:ea typeface="宋体" panose="02010600030101010101" pitchFamily="2" charset="-122"/>
                 <a:cs typeface="+mn-cs"/>
               </a:rPr>
-              <a:pPr lvl="0" fontAlgn="base"/>
-              <a:t>‹#›</a:t>
             </a:fld>
             <a:endParaRPr lang="zh-CN" altLang="en-US" strike="noStrike" noProof="1">
               <a:latin typeface="Arial" panose="020B0604020202020204" pitchFamily="34" charset="0"/>
@@ -887,6 +934,7 @@
               <a:rPr lang="zh-CN" altLang="en-US" strike="noStrike" noProof="1" smtClean="0"/>
               <a:t>单击此处编辑母版文本样式</a:t>
             </a:r>
+            <a:endParaRPr lang="zh-CN" altLang="en-US" strike="noStrike" noProof="1" smtClean="0"/>
           </a:p>
           <a:p>
             <a:pPr lvl="1" fontAlgn="base"/>
@@ -894,6 +942,7 @@
               <a:rPr lang="zh-CN" altLang="en-US" strike="noStrike" noProof="1" smtClean="0"/>
               <a:t>第二级</a:t>
             </a:r>
+            <a:endParaRPr lang="zh-CN" altLang="en-US" strike="noStrike" noProof="1" smtClean="0"/>
           </a:p>
           <a:p>
             <a:pPr lvl="2" fontAlgn="base"/>
@@ -901,6 +950,7 @@
               <a:rPr lang="zh-CN" altLang="en-US" strike="noStrike" noProof="1" smtClean="0"/>
               <a:t>第三级</a:t>
             </a:r>
+            <a:endParaRPr lang="zh-CN" altLang="en-US" strike="noStrike" noProof="1" smtClean="0"/>
           </a:p>
           <a:p>
             <a:pPr lvl="3" fontAlgn="base"/>
@@ -908,6 +958,7 @@
               <a:rPr lang="zh-CN" altLang="en-US" strike="noStrike" noProof="1" smtClean="0"/>
               <a:t>第四级</a:t>
             </a:r>
+            <a:endParaRPr lang="zh-CN" altLang="en-US" strike="noStrike" noProof="1" smtClean="0"/>
           </a:p>
           <a:p>
             <a:pPr lvl="4" fontAlgn="base"/>
@@ -1007,8 +1058,6 @@
                 <a:ea typeface="宋体" panose="02010600030101010101" pitchFamily="2" charset="-122"/>
                 <a:cs typeface="+mn-cs"/>
               </a:rPr>
-              <a:pPr lvl="0" fontAlgn="base"/>
-              <a:t>‹#›</a:t>
             </a:fld>
             <a:endParaRPr lang="zh-CN" altLang="en-US" strike="noStrike" noProof="1">
               <a:latin typeface="Arial" panose="020B0604020202020204" pitchFamily="34" charset="0"/>
@@ -1103,6 +1152,7 @@
               <a:rPr lang="zh-CN" altLang="en-US" strike="noStrike" noProof="1" smtClean="0"/>
               <a:t>单击此处编辑母版文本样式</a:t>
             </a:r>
+            <a:endParaRPr lang="zh-CN" altLang="en-US" strike="noStrike" noProof="1" smtClean="0"/>
           </a:p>
           <a:p>
             <a:pPr lvl="1" fontAlgn="base"/>
@@ -1110,6 +1160,7 @@
               <a:rPr lang="zh-CN" altLang="en-US" strike="noStrike" noProof="1" smtClean="0"/>
               <a:t>第二级</a:t>
             </a:r>
+            <a:endParaRPr lang="zh-CN" altLang="en-US" strike="noStrike" noProof="1" smtClean="0"/>
           </a:p>
           <a:p>
             <a:pPr lvl="2" fontAlgn="base"/>
@@ -1117,6 +1168,7 @@
               <a:rPr lang="zh-CN" altLang="en-US" strike="noStrike" noProof="1" smtClean="0"/>
               <a:t>第三级</a:t>
             </a:r>
+            <a:endParaRPr lang="zh-CN" altLang="en-US" strike="noStrike" noProof="1" smtClean="0"/>
           </a:p>
           <a:p>
             <a:pPr lvl="3" fontAlgn="base"/>
@@ -1124,6 +1176,7 @@
               <a:rPr lang="zh-CN" altLang="en-US" strike="noStrike" noProof="1" smtClean="0"/>
               <a:t>第四级</a:t>
             </a:r>
+            <a:endParaRPr lang="zh-CN" altLang="en-US" strike="noStrike" noProof="1" smtClean="0"/>
           </a:p>
           <a:p>
             <a:pPr lvl="4" fontAlgn="base"/>
@@ -1223,8 +1276,6 @@
                 <a:ea typeface="宋体" panose="02010600030101010101" pitchFamily="2" charset="-122"/>
                 <a:cs typeface="+mn-cs"/>
               </a:rPr>
-              <a:pPr lvl="0" fontAlgn="base"/>
-              <a:t>‹#›</a:t>
             </a:fld>
             <a:endParaRPr lang="zh-CN" altLang="en-US" strike="noStrike" noProof="1">
               <a:latin typeface="Arial" panose="020B0604020202020204" pitchFamily="34" charset="0"/>
@@ -1395,6 +1446,13 @@
               </a:rPr>
               <a:t>目  录</a:t>
             </a:r>
+            <a:endParaRPr lang="zh-CN" altLang="en-US" sz="4400" b="1">
+              <a:solidFill>
+                <a:schemeClr val="bg1"/>
+              </a:solidFill>
+              <a:latin typeface="微软雅黑" panose="020B0503020204020204" charset="-122"/>
+              <a:ea typeface="微软雅黑" panose="020B0503020204020204" charset="-122"/>
+            </a:endParaRPr>
           </a:p>
         </p:txBody>
       </p:sp>
@@ -1531,6 +1589,7 @@
               <a:rPr lang="zh-CN" altLang="en-US" sz="1350" strike="noStrike" noProof="1" smtClean="0"/>
               <a:t>................................................  4</a:t>
             </a:r>
+            <a:endParaRPr lang="zh-CN" altLang="en-US" sz="1350" strike="noStrike" noProof="1" smtClean="0"/>
           </a:p>
           <a:p>
             <a:pPr lvl="0" fontAlgn="base"/>
@@ -1550,6 +1609,9 @@
               </a:rPr>
               <a:t>      1.2 标题标题标题  ..............................................  4</a:t>
             </a:r>
+            <a:endParaRPr lang="zh-CN" altLang="en-US" strike="noStrike" noProof="1" smtClean="0">
+              <a:sym typeface="+mn-ea"/>
+            </a:endParaRPr>
           </a:p>
           <a:p>
             <a:pPr lvl="0" fontAlgn="base"/>
@@ -1569,6 +1631,9 @@
               </a:rPr>
               <a:t>2. 标题标题标题  .....................................................  14</a:t>
             </a:r>
+            <a:endParaRPr lang="zh-CN" altLang="en-US" strike="noStrike" noProof="1" smtClean="0">
+              <a:sym typeface="+mn-ea"/>
+            </a:endParaRPr>
           </a:p>
           <a:p>
             <a:pPr lvl="0" fontAlgn="base"/>
@@ -1588,6 +1653,9 @@
               </a:rPr>
               <a:t>      2.2 标题标题标题  ...........................................  14</a:t>
             </a:r>
+            <a:endParaRPr lang="zh-CN" altLang="en-US" strike="noStrike" noProof="1" smtClean="0">
+              <a:sym typeface="+mn-ea"/>
+            </a:endParaRPr>
           </a:p>
           <a:p>
             <a:pPr lvl="0" fontAlgn="base"/>
@@ -1597,6 +1665,9 @@
               </a:rPr>
               <a:t>             2.2.1 标题标题标题  ...............................  24</a:t>
             </a:r>
+            <a:endParaRPr lang="zh-CN" altLang="en-US" strike="noStrike" noProof="1" smtClean="0">
+              <a:sym typeface="+mn-ea"/>
+            </a:endParaRPr>
           </a:p>
           <a:p>
             <a:pPr lvl="0" fontAlgn="base"/>
@@ -1606,6 +1677,9 @@
               </a:rPr>
               <a:t>             2.2.2 标题标题标题  ...............................  24</a:t>
             </a:r>
+            <a:endParaRPr lang="zh-CN" altLang="en-US" strike="noStrike" noProof="1" smtClean="0">
+              <a:sym typeface="+mn-ea"/>
+            </a:endParaRPr>
           </a:p>
           <a:p>
             <a:pPr lvl="0" fontAlgn="base"/>
@@ -1625,6 +1699,9 @@
               </a:rPr>
               <a:t>3. 标题标题标题  .....................................................  24</a:t>
             </a:r>
+            <a:endParaRPr lang="zh-CN" altLang="en-US" strike="noStrike" noProof="1" smtClean="0">
+              <a:sym typeface="+mn-ea"/>
+            </a:endParaRPr>
           </a:p>
           <a:p>
             <a:pPr lvl="0" fontAlgn="base"/>
@@ -1644,6 +1721,9 @@
               </a:rPr>
               <a:t>      3.2 标题标题标题  ...........................................  44</a:t>
             </a:r>
+            <a:endParaRPr lang="zh-CN" altLang="en-US" strike="noStrike" noProof="1" smtClean="0">
+              <a:sym typeface="+mn-ea"/>
+            </a:endParaRPr>
           </a:p>
           <a:p>
             <a:pPr lvl="0" fontAlgn="base"/>
@@ -1663,6 +1743,9 @@
               </a:rPr>
               <a:t>4. 标题标题标题  ......................................................  54</a:t>
             </a:r>
+            <a:endParaRPr lang="zh-CN" altLang="en-US" strike="noStrike" noProof="1" smtClean="0">
+              <a:sym typeface="+mn-ea"/>
+            </a:endParaRPr>
           </a:p>
           <a:p>
             <a:pPr lvl="0" fontAlgn="base"/>
@@ -1682,6 +1765,9 @@
               </a:rPr>
               <a:t>      4.2 标题标题标题  ............................................  54</a:t>
             </a:r>
+            <a:endParaRPr lang="zh-CN" altLang="en-US" strike="noStrike" noProof="1" smtClean="0">
+              <a:sym typeface="+mn-ea"/>
+            </a:endParaRPr>
           </a:p>
           <a:p>
             <a:pPr lvl="0" fontAlgn="base"/>
@@ -1733,8 +1819,6 @@
                 <a:ea typeface="宋体" panose="02010600030101010101" pitchFamily="2" charset="-122"/>
                 <a:cs typeface="+mn-cs"/>
               </a:rPr>
-              <a:pPr lvl="0" fontAlgn="base"/>
-              <a:t>‹#›</a:t>
             </a:fld>
             <a:endParaRPr lang="zh-CN" altLang="en-US" strike="noStrike" noProof="1">
               <a:latin typeface="Arial" panose="020B0604020202020204" pitchFamily="34" charset="0"/>
@@ -1829,6 +1913,7 @@
               <a:rPr lang="zh-CN" altLang="en-US" strike="noStrike" noProof="1" smtClean="0"/>
               <a:t>单击此处编辑母版文本样式</a:t>
             </a:r>
+            <a:endParaRPr lang="zh-CN" altLang="en-US" strike="noStrike" noProof="1" smtClean="0"/>
           </a:p>
           <a:p>
             <a:pPr lvl="1" fontAlgn="base"/>
@@ -1836,6 +1921,7 @@
               <a:rPr lang="zh-CN" altLang="en-US" strike="noStrike" noProof="1" smtClean="0"/>
               <a:t>第二级</a:t>
             </a:r>
+            <a:endParaRPr lang="zh-CN" altLang="en-US" strike="noStrike" noProof="1" smtClean="0"/>
           </a:p>
           <a:p>
             <a:pPr lvl="2" fontAlgn="base"/>
@@ -1843,6 +1929,7 @@
               <a:rPr lang="zh-CN" altLang="en-US" strike="noStrike" noProof="1" smtClean="0"/>
               <a:t>第三级</a:t>
             </a:r>
+            <a:endParaRPr lang="zh-CN" altLang="en-US" strike="noStrike" noProof="1" smtClean="0"/>
           </a:p>
           <a:p>
             <a:pPr lvl="3" fontAlgn="base"/>
@@ -1850,6 +1937,7 @@
               <a:rPr lang="zh-CN" altLang="en-US" strike="noStrike" noProof="1" smtClean="0"/>
               <a:t>第四级</a:t>
             </a:r>
+            <a:endParaRPr lang="zh-CN" altLang="en-US" strike="noStrike" noProof="1" smtClean="0"/>
           </a:p>
           <a:p>
             <a:pPr lvl="4" fontAlgn="base"/>
@@ -1949,8 +2037,6 @@
                 <a:ea typeface="宋体" panose="02010600030101010101" pitchFamily="2" charset="-122"/>
                 <a:cs typeface="+mn-cs"/>
               </a:rPr>
-              <a:pPr lvl="0" fontAlgn="base"/>
-              <a:t>‹#›</a:t>
             </a:fld>
             <a:endParaRPr lang="zh-CN" altLang="en-US" strike="noStrike" noProof="1">
               <a:latin typeface="Arial" panose="020B0604020202020204" pitchFamily="34" charset="0"/>
@@ -2045,6 +2131,7 @@
               <a:rPr lang="zh-CN" altLang="en-US" strike="noStrike" noProof="1" smtClean="0"/>
               <a:t>单击此处编辑母版文本样式</a:t>
             </a:r>
+            <a:endParaRPr lang="zh-CN" altLang="en-US" strike="noStrike" noProof="1" smtClean="0"/>
           </a:p>
           <a:p>
             <a:pPr lvl="1" fontAlgn="base"/>
@@ -2052,6 +2139,7 @@
               <a:rPr lang="zh-CN" altLang="en-US" strike="noStrike" noProof="1" smtClean="0"/>
               <a:t>第二级</a:t>
             </a:r>
+            <a:endParaRPr lang="zh-CN" altLang="en-US" strike="noStrike" noProof="1" smtClean="0"/>
           </a:p>
           <a:p>
             <a:pPr lvl="2" fontAlgn="base"/>
@@ -2059,6 +2147,7 @@
               <a:rPr lang="zh-CN" altLang="en-US" strike="noStrike" noProof="1" smtClean="0"/>
               <a:t>第三级</a:t>
             </a:r>
+            <a:endParaRPr lang="zh-CN" altLang="en-US" strike="noStrike" noProof="1" smtClean="0"/>
           </a:p>
           <a:p>
             <a:pPr lvl="3" fontAlgn="base"/>
@@ -2066,6 +2155,7 @@
               <a:rPr lang="zh-CN" altLang="en-US" strike="noStrike" noProof="1" smtClean="0"/>
               <a:t>第四级</a:t>
             </a:r>
+            <a:endParaRPr lang="zh-CN" altLang="en-US" strike="noStrike" noProof="1" smtClean="0"/>
           </a:p>
           <a:p>
             <a:pPr lvl="4" fontAlgn="base"/>
@@ -2102,6 +2192,7 @@
               <a:rPr lang="zh-CN" altLang="en-US" strike="noStrike" noProof="1" smtClean="0"/>
               <a:t>单击此处编辑母版文本样式</a:t>
             </a:r>
+            <a:endParaRPr lang="zh-CN" altLang="en-US" strike="noStrike" noProof="1" smtClean="0"/>
           </a:p>
           <a:p>
             <a:pPr lvl="1" fontAlgn="base"/>
@@ -2109,6 +2200,7 @@
               <a:rPr lang="zh-CN" altLang="en-US" strike="noStrike" noProof="1" smtClean="0"/>
               <a:t>第二级</a:t>
             </a:r>
+            <a:endParaRPr lang="zh-CN" altLang="en-US" strike="noStrike" noProof="1" smtClean="0"/>
           </a:p>
           <a:p>
             <a:pPr lvl="2" fontAlgn="base"/>
@@ -2116,6 +2208,7 @@
               <a:rPr lang="zh-CN" altLang="en-US" strike="noStrike" noProof="1" smtClean="0"/>
               <a:t>第三级</a:t>
             </a:r>
+            <a:endParaRPr lang="zh-CN" altLang="en-US" strike="noStrike" noProof="1" smtClean="0"/>
           </a:p>
           <a:p>
             <a:pPr lvl="3" fontAlgn="base"/>
@@ -2123,6 +2216,7 @@
               <a:rPr lang="zh-CN" altLang="en-US" strike="noStrike" noProof="1" smtClean="0"/>
               <a:t>第四级</a:t>
             </a:r>
+            <a:endParaRPr lang="zh-CN" altLang="en-US" strike="noStrike" noProof="1" smtClean="0"/>
           </a:p>
           <a:p>
             <a:pPr lvl="4" fontAlgn="base"/>
@@ -2222,8 +2316,6 @@
                 <a:ea typeface="宋体" panose="02010600030101010101" pitchFamily="2" charset="-122"/>
                 <a:cs typeface="+mn-cs"/>
               </a:rPr>
-              <a:pPr lvl="0" fontAlgn="base"/>
-              <a:t>‹#›</a:t>
             </a:fld>
             <a:endParaRPr lang="zh-CN" altLang="en-US" strike="noStrike" noProof="1">
               <a:latin typeface="Arial" panose="020B0604020202020204" pitchFamily="34" charset="0"/>
@@ -2384,6 +2476,7 @@
               <a:rPr lang="zh-CN" altLang="en-US" strike="noStrike" noProof="1" smtClean="0"/>
               <a:t>单击此处编辑母版文本样式</a:t>
             </a:r>
+            <a:endParaRPr lang="zh-CN" altLang="en-US" strike="noStrike" noProof="1" smtClean="0"/>
           </a:p>
           <a:p>
             <a:pPr lvl="1" fontAlgn="base"/>
@@ -2391,6 +2484,7 @@
               <a:rPr lang="zh-CN" altLang="en-US" strike="noStrike" noProof="1" smtClean="0"/>
               <a:t>第二级</a:t>
             </a:r>
+            <a:endParaRPr lang="zh-CN" altLang="en-US" strike="noStrike" noProof="1" smtClean="0"/>
           </a:p>
           <a:p>
             <a:pPr lvl="2" fontAlgn="base"/>
@@ -2398,6 +2492,7 @@
               <a:rPr lang="zh-CN" altLang="en-US" strike="noStrike" noProof="1" smtClean="0"/>
               <a:t>第三级</a:t>
             </a:r>
+            <a:endParaRPr lang="zh-CN" altLang="en-US" strike="noStrike" noProof="1" smtClean="0"/>
           </a:p>
           <a:p>
             <a:pPr lvl="3" fontAlgn="base"/>
@@ -2405,6 +2500,7 @@
               <a:rPr lang="zh-CN" altLang="en-US" strike="noStrike" noProof="1" smtClean="0"/>
               <a:t>第四级</a:t>
             </a:r>
+            <a:endParaRPr lang="zh-CN" altLang="en-US" strike="noStrike" noProof="1" smtClean="0"/>
           </a:p>
           <a:p>
             <a:pPr lvl="4" fontAlgn="base"/>
@@ -2507,6 +2603,7 @@
               <a:rPr lang="zh-CN" altLang="en-US" strike="noStrike" noProof="1" smtClean="0"/>
               <a:t>单击此处编辑母版文本样式</a:t>
             </a:r>
+            <a:endParaRPr lang="zh-CN" altLang="en-US" strike="noStrike" noProof="1" smtClean="0"/>
           </a:p>
           <a:p>
             <a:pPr lvl="1" fontAlgn="base"/>
@@ -2514,6 +2611,7 @@
               <a:rPr lang="zh-CN" altLang="en-US" strike="noStrike" noProof="1" smtClean="0"/>
               <a:t>第二级</a:t>
             </a:r>
+            <a:endParaRPr lang="zh-CN" altLang="en-US" strike="noStrike" noProof="1" smtClean="0"/>
           </a:p>
           <a:p>
             <a:pPr lvl="2" fontAlgn="base"/>
@@ -2521,6 +2619,7 @@
               <a:rPr lang="zh-CN" altLang="en-US" strike="noStrike" noProof="1" smtClean="0"/>
               <a:t>第三级</a:t>
             </a:r>
+            <a:endParaRPr lang="zh-CN" altLang="en-US" strike="noStrike" noProof="1" smtClean="0"/>
           </a:p>
           <a:p>
             <a:pPr lvl="3" fontAlgn="base"/>
@@ -2528,6 +2627,7 @@
               <a:rPr lang="zh-CN" altLang="en-US" strike="noStrike" noProof="1" smtClean="0"/>
               <a:t>第四级</a:t>
             </a:r>
+            <a:endParaRPr lang="zh-CN" altLang="en-US" strike="noStrike" noProof="1" smtClean="0"/>
           </a:p>
           <a:p>
             <a:pPr lvl="4" fontAlgn="base"/>
@@ -2627,8 +2727,6 @@
                 <a:ea typeface="宋体" panose="02010600030101010101" pitchFamily="2" charset="-122"/>
                 <a:cs typeface="+mn-cs"/>
               </a:rPr>
-              <a:pPr lvl="0" fontAlgn="base"/>
-              <a:t>‹#›</a:t>
             </a:fld>
             <a:endParaRPr lang="zh-CN" altLang="en-US" strike="noStrike" noProof="1">
               <a:latin typeface="Arial" panose="020B0604020202020204" pitchFamily="34" charset="0"/>
@@ -2683,8 +2781,6 @@
                 <a:ea typeface="宋体" panose="02010600030101010101" pitchFamily="2" charset="-122"/>
                 <a:cs typeface="+mn-cs"/>
               </a:rPr>
-              <a:pPr lvl="0" fontAlgn="base"/>
-              <a:t>‹#›</a:t>
             </a:fld>
             <a:endParaRPr lang="zh-CN" altLang="en-US" strike="noStrike" noProof="1">
               <a:latin typeface="Arial" panose="020B0604020202020204" pitchFamily="34" charset="0"/>
@@ -2813,8 +2909,6 @@
                 <a:ea typeface="宋体" panose="02010600030101010101" pitchFamily="2" charset="-122"/>
                 <a:cs typeface="+mn-cs"/>
               </a:rPr>
-              <a:pPr lvl="0" fontAlgn="base"/>
-              <a:t>‹#›</a:t>
             </a:fld>
             <a:endParaRPr lang="zh-CN" altLang="en-US" strike="noStrike" noProof="1">
               <a:latin typeface="Arial" panose="020B0604020202020204" pitchFamily="34" charset="0"/>
@@ -2941,6 +3035,7 @@
               <a:rPr lang="zh-CN" altLang="en-US" strike="noStrike" noProof="1" smtClean="0"/>
               <a:t>单击此处编辑母版文本样式</a:t>
             </a:r>
+            <a:endParaRPr lang="zh-CN" altLang="en-US" strike="noStrike" noProof="1" smtClean="0"/>
           </a:p>
           <a:p>
             <a:pPr lvl="1" fontAlgn="base"/>
@@ -3038,6 +3133,7 @@
               <a:rPr lang="zh-CN" altLang="en-US" strike="noStrike" noProof="1" smtClean="0"/>
               <a:t>单击此处编辑母版文本样式</a:t>
             </a:r>
+            <a:endParaRPr lang="zh-CN" altLang="en-US" strike="noStrike" noProof="1" smtClean="0"/>
           </a:p>
         </p:txBody>
       </p:sp>
@@ -3129,8 +3225,6 @@
                 <a:ea typeface="宋体" panose="02010600030101010101" pitchFamily="2" charset="-122"/>
                 <a:cs typeface="+mn-cs"/>
               </a:rPr>
-              <a:pPr lvl="0" fontAlgn="base"/>
-              <a:t>‹#›</a:t>
             </a:fld>
             <a:endParaRPr lang="zh-CN" altLang="en-US" strike="noStrike" noProof="1">
               <a:latin typeface="Arial" panose="020B0604020202020204" pitchFamily="34" charset="0"/>
@@ -3420,8 +3514,6 @@
                 <a:ea typeface="宋体" panose="02010600030101010101" pitchFamily="2" charset="-122"/>
                 <a:cs typeface="+mn-cs"/>
               </a:rPr>
-              <a:pPr lvl="0" fontAlgn="base"/>
-              <a:t>‹#›</a:t>
             </a:fld>
             <a:endParaRPr lang="zh-CN" altLang="en-US" strike="noStrike" noProof="1">
               <a:latin typeface="Arial" panose="020B0604020202020204" pitchFamily="34" charset="0"/>
@@ -3517,7 +3609,7 @@
           <p:nvPr userDrawn="1"/>
         </p:nvPicPr>
         <p:blipFill>
-          <a:blip r:embed="rId13"/>
+          <a:blip r:embed="rId12"/>
           <a:stretch>
             <a:fillRect/>
           </a:stretch>
@@ -3572,6 +3664,13 @@
               </a:rPr>
               <a:t>武汉普赛斯仪表有限公司</a:t>
             </a:r>
+            <a:endParaRPr lang="zh-CN" altLang="en-US" sz="900" b="1">
+              <a:solidFill>
+                <a:schemeClr val="bg1"/>
+              </a:solidFill>
+              <a:latin typeface="微软雅黑" panose="020B0503020204020204" charset="-122"/>
+              <a:ea typeface="微软雅黑" panose="020B0503020204020204" charset="-122"/>
+            </a:endParaRPr>
           </a:p>
         </p:txBody>
       </p:sp>
@@ -3611,6 +3710,13 @@
               </a:rPr>
               <a:t>www.whpssins.com</a:t>
             </a:r>
+            <a:endParaRPr lang="zh-CN" altLang="en-US" sz="900">
+              <a:solidFill>
+                <a:schemeClr val="bg1"/>
+              </a:solidFill>
+              <a:latin typeface="微软雅黑" panose="020B0503020204020204" charset="-122"/>
+              <a:ea typeface="微软雅黑" panose="020B0503020204020204" charset="-122"/>
+            </a:endParaRPr>
           </a:p>
         </p:txBody>
       </p:sp>
@@ -3702,8 +3808,6 @@
                 <a:ea typeface="宋体" panose="02010600030101010101" pitchFamily="2" charset="-122"/>
                 <a:cs typeface="+mn-cs"/>
               </a:rPr>
-              <a:pPr lvl="0" fontAlgn="base"/>
-              <a:t>‹#›</a:t>
             </a:fld>
             <a:endParaRPr lang="zh-CN" altLang="en-US" strike="noStrike" noProof="1">
               <a:latin typeface="Arial" panose="020B0604020202020204" pitchFamily="34" charset="0"/>
@@ -3755,7 +3859,7 @@
           <p:nvPr userDrawn="1"/>
         </p:nvPicPr>
         <p:blipFill>
-          <a:blip r:embed="rId14" cstate="print"/>
+          <a:blip r:embed="rId13" cstate="print"/>
           <a:stretch>
             <a:fillRect/>
           </a:stretch>
@@ -3820,6 +3924,13 @@
               </a:rPr>
               <a:t>操作手册</a:t>
             </a:r>
+            <a:endParaRPr lang="zh-CN" altLang="zh-CN" sz="1200">
+              <a:solidFill>
+                <a:srgbClr val="595959"/>
+              </a:solidFill>
+              <a:latin typeface="微软雅黑" panose="020B0503020204020204" charset="-122"/>
+              <a:ea typeface="微软雅黑" panose="020B0503020204020204" charset="-122"/>
+            </a:endParaRPr>
           </a:p>
         </p:txBody>
       </p:sp>
@@ -4283,6 +4394,13 @@
               </a:rPr>
               <a:t>S系列源表</a:t>
             </a:r>
+            <a:endParaRPr lang="zh-CN" altLang="en-US" sz="4400" b="1">
+              <a:solidFill>
+                <a:srgbClr val="1B3B7C"/>
+              </a:solidFill>
+              <a:latin typeface="微软雅黑" panose="020B0503020204020204" charset="-122"/>
+              <a:ea typeface="微软雅黑" panose="020B0503020204020204" charset="-122"/>
+            </a:endParaRPr>
           </a:p>
         </p:txBody>
       </p:sp>
@@ -4320,7 +4438,7 @@
           <p:nvPr/>
         </p:nvPicPr>
         <p:blipFill>
-          <a:blip r:embed="rId2" cstate="print"/>
+          <a:blip r:embed="rId1" cstate="print"/>
           <a:stretch>
             <a:fillRect/>
           </a:stretch>
@@ -4348,7 +4466,7 @@
           <p:nvPr/>
         </p:nvPicPr>
         <p:blipFill>
-          <a:blip r:embed="rId3" cstate="print"/>
+          <a:blip r:embed="rId2" cstate="print"/>
           <a:stretch>
             <a:fillRect/>
           </a:stretch>
@@ -4406,22 +4524,6 @@
                 <a:ea typeface="宋体" panose="02010600030101010101" pitchFamily="2" charset="-122"/>
                 <a:cs typeface="+mn-cs"/>
               </a:rPr>
-              <a:pPr marL="0" marR="0" lvl="0" indent="0" algn="ctr" defTabSz="914400" rtl="0" eaLnBrk="1" fontAlgn="base" latinLnBrk="0" hangingPunct="1">
-                <a:lnSpc>
-                  <a:spcPct val="100000"/>
-                </a:lnSpc>
-                <a:spcBef>
-                  <a:spcPct val="0"/>
-                </a:spcBef>
-                <a:spcAft>
-                  <a:spcPct val="0"/>
-                </a:spcAft>
-                <a:buClrTx/>
-                <a:buSzTx/>
-                <a:buFontTx/>
-                <a:buNone/>
-              </a:pPr>
-              <a:t>10</a:t>
             </a:fld>
             <a:endParaRPr kumimoji="0" lang="zh-CN" altLang="en-US" sz="1050" b="0" i="0" u="none" strike="noStrike" kern="1200" cap="none" spc="0" normalizeH="0" baseline="0" noProof="1">
               <a:solidFill>
@@ -4547,6 +4649,11 @@
               </a:rPr>
               <a:t>.1：</a:t>
             </a:r>
+            <a:endParaRPr lang="zh-CN" altLang="en-US" sz="1200">
+              <a:latin typeface="微软雅黑" panose="020B0503020204020204" charset="-122"/>
+              <a:ea typeface="微软雅黑" panose="020B0503020204020204" charset="-122"/>
+              <a:sym typeface="宋体" panose="02010600030101010101" pitchFamily="2" charset="-122"/>
+            </a:endParaRPr>
           </a:p>
         </p:txBody>
       </p:sp>
@@ -4597,6 +4704,10 @@
               </a:rPr>
               <a:t>版本信息界面</a:t>
             </a:r>
+            <a:endParaRPr lang="zh-CN" altLang="en-US" sz="1200">
+              <a:latin typeface="微软雅黑" panose="020B0503020204020204" charset="-122"/>
+              <a:ea typeface="微软雅黑" panose="020B0503020204020204" charset="-122"/>
+            </a:endParaRPr>
           </a:p>
         </p:txBody>
       </p:sp>
@@ -4634,7 +4745,7 @@
           <p:nvPr/>
         </p:nvPicPr>
         <p:blipFill>
-          <a:blip r:embed="rId2"/>
+          <a:blip r:embed="rId1"/>
           <a:stretch>
             <a:fillRect/>
           </a:stretch>
@@ -4688,22 +4799,6 @@
                 <a:ea typeface="宋体" panose="02010600030101010101" pitchFamily="2" charset="-122"/>
                 <a:cs typeface="+mn-cs"/>
               </a:rPr>
-              <a:pPr marL="0" marR="0" lvl="0" indent="0" algn="ctr" defTabSz="914400" rtl="0" eaLnBrk="1" fontAlgn="base" latinLnBrk="0" hangingPunct="1">
-                <a:lnSpc>
-                  <a:spcPct val="100000"/>
-                </a:lnSpc>
-                <a:spcBef>
-                  <a:spcPct val="0"/>
-                </a:spcBef>
-                <a:spcAft>
-                  <a:spcPct val="0"/>
-                </a:spcAft>
-                <a:buClrTx/>
-                <a:buSzTx/>
-                <a:buFontTx/>
-                <a:buNone/>
-              </a:pPr>
-              <a:t>11</a:t>
             </a:fld>
             <a:endParaRPr kumimoji="0" lang="zh-CN" altLang="en-US" sz="1050" b="0" i="0" u="none" strike="noStrike" kern="1200" cap="none" spc="0" normalizeH="0" baseline="0" noProof="1">
               <a:solidFill>
@@ -4819,6 +4914,13 @@
               </a:rPr>
               <a:t>.1 扫描界面简介</a:t>
             </a:r>
+            <a:endParaRPr lang="zh-CN" altLang="en-US" sz="1400" b="1">
+              <a:solidFill>
+                <a:srgbClr val="1B3B7C"/>
+              </a:solidFill>
+              <a:latin typeface="微软雅黑" panose="020B0503020204020204" charset="-122"/>
+              <a:ea typeface="微软雅黑" panose="020B0503020204020204" charset="-122"/>
+            </a:endParaRPr>
           </a:p>
         </p:txBody>
       </p:sp>
@@ -4869,6 +4971,10 @@
               </a:rPr>
               <a:t>扫描设置界面</a:t>
             </a:r>
+            <a:endParaRPr lang="zh-CN" altLang="en-US" sz="1200">
+              <a:latin typeface="微软雅黑" panose="020B0503020204020204" charset="-122"/>
+              <a:ea typeface="微软雅黑" panose="020B0503020204020204" charset="-122"/>
+            </a:endParaRPr>
           </a:p>
         </p:txBody>
       </p:sp>
@@ -5034,6 +5140,7 @@
                 <a:rPr lang="en-US" altLang="zh-CN" strike="noStrike" noProof="1"/>
                 <a:t>1</a:t>
               </a:r>
+              <a:endParaRPr lang="en-US" altLang="zh-CN" strike="noStrike" noProof="1"/>
             </a:p>
           </p:txBody>
         </p:sp>
@@ -5133,6 +5240,7 @@
                 <a:rPr lang="en-US" altLang="zh-CN" strike="noStrike" noProof="1"/>
                 <a:t>3</a:t>
               </a:r>
+              <a:endParaRPr lang="en-US" altLang="zh-CN" strike="noStrike" noProof="1"/>
             </a:p>
           </p:txBody>
         </p:sp>
@@ -5211,6 +5319,11 @@
               </a:rPr>
               <a:t>个区域，具体区域说明如下：</a:t>
             </a:r>
+            <a:endParaRPr lang="zh-CN" altLang="en-US" sz="1200">
+              <a:latin typeface="微软雅黑" panose="020B0503020204020204" charset="-122"/>
+              <a:ea typeface="微软雅黑" panose="020B0503020204020204" charset="-122"/>
+              <a:sym typeface="宋体" panose="02010600030101010101" pitchFamily="2" charset="-122"/>
+            </a:endParaRPr>
           </a:p>
           <a:p>
             <a:pPr>
@@ -5230,6 +5343,11 @@
               </a:rPr>
               <a:t>区域1：选择源类型、切换2/4线、前后面板和是否保存结果；</a:t>
             </a:r>
+            <a:endParaRPr lang="zh-CN" altLang="en-US" sz="1200">
+              <a:latin typeface="微软雅黑" panose="020B0503020204020204" charset="-122"/>
+              <a:ea typeface="微软雅黑" panose="020B0503020204020204" charset="-122"/>
+              <a:sym typeface="宋体" panose="02010600030101010101" pitchFamily="2" charset="-122"/>
+            </a:endParaRPr>
           </a:p>
           <a:p>
             <a:pPr>
@@ -5249,6 +5367,11 @@
               </a:rPr>
               <a:t>区域2：设置开始值和结束值，可以选择扫描点或者步进值来设定扫描点数和步进值大小以及限值大小。</a:t>
             </a:r>
+            <a:endParaRPr lang="zh-CN" altLang="en-US" sz="1200">
+              <a:latin typeface="微软雅黑" panose="020B0503020204020204" charset="-122"/>
+              <a:ea typeface="微软雅黑" panose="020B0503020204020204" charset="-122"/>
+              <a:sym typeface="宋体" panose="02010600030101010101" pitchFamily="2" charset="-122"/>
+            </a:endParaRPr>
           </a:p>
           <a:p>
             <a:pPr>
@@ -5284,6 +5407,11 @@
               </a:rPr>
               <a:t>：开始扫描和查看结果；</a:t>
             </a:r>
+            <a:endParaRPr lang="zh-CN" altLang="en-US" sz="1200">
+              <a:latin typeface="微软雅黑" panose="020B0503020204020204" charset="-122"/>
+              <a:ea typeface="微软雅黑" panose="020B0503020204020204" charset="-122"/>
+              <a:sym typeface="宋体" panose="02010600030101010101" pitchFamily="2" charset="-122"/>
+            </a:endParaRPr>
           </a:p>
         </p:txBody>
       </p:sp>
@@ -5333,6 +5461,7 @@
               <a:rPr lang="en-US" altLang="zh-CN" strike="noStrike" noProof="1"/>
               <a:t>2</a:t>
             </a:r>
+            <a:endParaRPr lang="en-US" altLang="zh-CN" strike="noStrike" noProof="1"/>
           </a:p>
         </p:txBody>
       </p:sp>
@@ -5370,7 +5499,7 @@
           <p:nvPr/>
         </p:nvPicPr>
         <p:blipFill>
-          <a:blip r:embed="rId2"/>
+          <a:blip r:embed="rId1"/>
           <a:stretch>
             <a:fillRect/>
           </a:stretch>
@@ -5394,7 +5523,7 @@
           <p:nvPr/>
         </p:nvPicPr>
         <p:blipFill>
-          <a:blip r:embed="rId3"/>
+          <a:blip r:embed="rId2"/>
           <a:stretch>
             <a:fillRect/>
           </a:stretch>
@@ -5448,22 +5577,6 @@
                 <a:ea typeface="宋体" panose="02010600030101010101" pitchFamily="2" charset="-122"/>
                 <a:cs typeface="+mn-cs"/>
               </a:rPr>
-              <a:pPr marL="0" marR="0" lvl="0" indent="0" algn="ctr" defTabSz="914400" rtl="0" eaLnBrk="1" fontAlgn="base" latinLnBrk="0" hangingPunct="1">
-                <a:lnSpc>
-                  <a:spcPct val="100000"/>
-                </a:lnSpc>
-                <a:spcBef>
-                  <a:spcPct val="0"/>
-                </a:spcBef>
-                <a:spcAft>
-                  <a:spcPct val="0"/>
-                </a:spcAft>
-                <a:buClrTx/>
-                <a:buSzTx/>
-                <a:buFontTx/>
-                <a:buNone/>
-              </a:pPr>
-              <a:t>12</a:t>
             </a:fld>
             <a:endParaRPr kumimoji="0" lang="zh-CN" altLang="en-US" sz="1050" b="0" i="0" u="none" strike="noStrike" kern="1200" cap="none" spc="0" normalizeH="0" baseline="0" noProof="1">
               <a:solidFill>
@@ -5710,6 +5823,11 @@
               </a:rPr>
               <a:t>.3所示：</a:t>
             </a:r>
+            <a:endParaRPr lang="zh-CN" altLang="en-US" sz="1200">
+              <a:latin typeface="微软雅黑" panose="020B0503020204020204" charset="-122"/>
+              <a:ea typeface="微软雅黑" panose="020B0503020204020204" charset="-122"/>
+              <a:sym typeface="宋体" panose="02010600030101010101" pitchFamily="2" charset="-122"/>
+            </a:endParaRPr>
           </a:p>
         </p:txBody>
       </p:sp>
@@ -5760,6 +5878,10 @@
               </a:rPr>
               <a:t>软键盘界面</a:t>
             </a:r>
+            <a:endParaRPr lang="zh-CN" altLang="en-US" sz="1200">
+              <a:latin typeface="微软雅黑" panose="020B0503020204020204" charset="-122"/>
+              <a:ea typeface="微软雅黑" panose="020B0503020204020204" charset="-122"/>
+            </a:endParaRPr>
           </a:p>
         </p:txBody>
       </p:sp>
@@ -5871,6 +5993,11 @@
               </a:rPr>
               <a:t>.4所示点击对应下拉框：</a:t>
             </a:r>
+            <a:endParaRPr lang="zh-CN" altLang="en-US" sz="1200">
+              <a:latin typeface="微软雅黑" panose="020B0503020204020204" charset="-122"/>
+              <a:ea typeface="微软雅黑" panose="020B0503020204020204" charset="-122"/>
+              <a:sym typeface="宋体" panose="02010600030101010101" pitchFamily="2" charset="-122"/>
+            </a:endParaRPr>
           </a:p>
         </p:txBody>
       </p:sp>
@@ -5942,6 +6069,13 @@
               </a:rPr>
               <a:t> 操作步骤</a:t>
             </a:r>
+            <a:endParaRPr lang="zh-CN" altLang="en-US" sz="1400" b="1">
+              <a:solidFill>
+                <a:srgbClr val="1B3B7C"/>
+              </a:solidFill>
+              <a:latin typeface="微软雅黑" panose="020B0503020204020204" charset="-122"/>
+              <a:ea typeface="微软雅黑" panose="020B0503020204020204" charset="-122"/>
+            </a:endParaRPr>
           </a:p>
         </p:txBody>
       </p:sp>
@@ -6003,6 +6137,11 @@
               </a:rPr>
               <a:t>.2所示：</a:t>
             </a:r>
+            <a:endParaRPr lang="zh-CN" altLang="en-US" sz="1200">
+              <a:latin typeface="微软雅黑" panose="020B0503020204020204" charset="-122"/>
+              <a:ea typeface="微软雅黑" panose="020B0503020204020204" charset="-122"/>
+              <a:sym typeface="宋体" panose="02010600030101010101" pitchFamily="2" charset="-122"/>
+            </a:endParaRPr>
           </a:p>
         </p:txBody>
       </p:sp>
@@ -6040,7 +6179,7 @@
           <p:nvPr/>
         </p:nvPicPr>
         <p:blipFill>
-          <a:blip r:embed="rId2"/>
+          <a:blip r:embed="rId1"/>
           <a:stretch>
             <a:fillRect/>
           </a:stretch>
@@ -6064,7 +6203,7 @@
           <p:nvPr/>
         </p:nvPicPr>
         <p:blipFill>
-          <a:blip r:embed="rId3"/>
+          <a:blip r:embed="rId2"/>
           <a:stretch>
             <a:fillRect/>
           </a:stretch>
@@ -6118,22 +6257,6 @@
                 <a:ea typeface="宋体" panose="02010600030101010101" pitchFamily="2" charset="-122"/>
                 <a:cs typeface="+mn-cs"/>
               </a:rPr>
-              <a:pPr marL="0" marR="0" lvl="0" indent="0" algn="ctr" defTabSz="914400" rtl="0" eaLnBrk="1" fontAlgn="base" latinLnBrk="0" hangingPunct="1">
-                <a:lnSpc>
-                  <a:spcPct val="100000"/>
-                </a:lnSpc>
-                <a:spcBef>
-                  <a:spcPct val="0"/>
-                </a:spcBef>
-                <a:spcAft>
-                  <a:spcPct val="0"/>
-                </a:spcAft>
-                <a:buClrTx/>
-                <a:buSzTx/>
-                <a:buFontTx/>
-                <a:buNone/>
-              </a:pPr>
-              <a:t>13</a:t>
             </a:fld>
             <a:endParaRPr kumimoji="0" lang="zh-CN" altLang="en-US" sz="1050" b="0" i="0" u="none" strike="noStrike" kern="1200" cap="none" spc="0" normalizeH="0" baseline="0" noProof="1">
               <a:solidFill>
@@ -6270,6 +6393,11 @@
               </a:rPr>
               <a:t>.5所示：</a:t>
             </a:r>
+            <a:endParaRPr lang="zh-CN" altLang="en-US" sz="1200">
+              <a:latin typeface="微软雅黑" panose="020B0503020204020204" charset="-122"/>
+              <a:ea typeface="微软雅黑" panose="020B0503020204020204" charset="-122"/>
+              <a:sym typeface="宋体" panose="02010600030101010101" pitchFamily="2" charset="-122"/>
+            </a:endParaRPr>
           </a:p>
         </p:txBody>
       </p:sp>
@@ -6320,6 +6448,10 @@
               </a:rPr>
               <a:t>等待扫描界面</a:t>
             </a:r>
+            <a:endParaRPr lang="zh-CN" altLang="en-US" sz="1200">
+              <a:latin typeface="微软雅黑" panose="020B0503020204020204" charset="-122"/>
+              <a:ea typeface="微软雅黑" panose="020B0503020204020204" charset="-122"/>
+            </a:endParaRPr>
           </a:p>
         </p:txBody>
       </p:sp>
@@ -6370,6 +6502,10 @@
               </a:rPr>
               <a:t>单位选择界面</a:t>
             </a:r>
+            <a:endParaRPr lang="zh-CN" altLang="en-US" sz="1200">
+              <a:latin typeface="微软雅黑" panose="020B0503020204020204" charset="-122"/>
+              <a:ea typeface="微软雅黑" panose="020B0503020204020204" charset="-122"/>
+            </a:endParaRPr>
           </a:p>
         </p:txBody>
       </p:sp>
@@ -6407,7 +6543,7 @@
           <p:nvPr/>
         </p:nvPicPr>
         <p:blipFill>
-          <a:blip r:embed="rId2"/>
+          <a:blip r:embed="rId1"/>
           <a:stretch>
             <a:fillRect/>
           </a:stretch>
@@ -6461,22 +6597,6 @@
                 <a:ea typeface="宋体" panose="02010600030101010101" pitchFamily="2" charset="-122"/>
                 <a:cs typeface="+mn-cs"/>
               </a:rPr>
-              <a:pPr marL="0" marR="0" lvl="0" indent="0" algn="ctr" defTabSz="914400" rtl="0" eaLnBrk="1" fontAlgn="base" latinLnBrk="0" hangingPunct="1">
-                <a:lnSpc>
-                  <a:spcPct val="100000"/>
-                </a:lnSpc>
-                <a:spcBef>
-                  <a:spcPct val="0"/>
-                </a:spcBef>
-                <a:spcAft>
-                  <a:spcPct val="0"/>
-                </a:spcAft>
-                <a:buClrTx/>
-                <a:buSzTx/>
-                <a:buFontTx/>
-                <a:buNone/>
-              </a:pPr>
-              <a:t>14</a:t>
             </a:fld>
             <a:endParaRPr kumimoji="0" lang="zh-CN" altLang="en-US" sz="1050" b="0" i="0" u="none" strike="noStrike" kern="1200" cap="none" spc="0" normalizeH="0" baseline="0" noProof="1">
               <a:solidFill>
@@ -6536,6 +6656,10 @@
               </a:rPr>
               <a:t>扫描生成的曲线</a:t>
             </a:r>
+            <a:endParaRPr lang="zh-CN" altLang="en-US" sz="1200">
+              <a:latin typeface="微软雅黑" panose="020B0503020204020204" charset="-122"/>
+              <a:ea typeface="微软雅黑" panose="020B0503020204020204" charset="-122"/>
+            </a:endParaRPr>
           </a:p>
         </p:txBody>
       </p:sp>
@@ -6629,6 +6753,11 @@
               </a:rPr>
               <a:t>所示：</a:t>
             </a:r>
+            <a:endParaRPr lang="zh-CN" altLang="en-US" sz="1200">
+              <a:latin typeface="微软雅黑" panose="020B0503020204020204" charset="-122"/>
+              <a:ea typeface="微软雅黑" panose="020B0503020204020204" charset="-122"/>
+              <a:sym typeface="宋体" panose="02010600030101010101" pitchFamily="2" charset="-122"/>
+            </a:endParaRPr>
           </a:p>
         </p:txBody>
       </p:sp>
@@ -6696,22 +6825,6 @@
                 <a:ea typeface="宋体" panose="02010600030101010101" pitchFamily="2" charset="-122"/>
                 <a:cs typeface="+mn-cs"/>
               </a:rPr>
-              <a:pPr marL="0" marR="0" lvl="0" indent="0" algn="ctr" defTabSz="914400" rtl="0" eaLnBrk="1" fontAlgn="base" latinLnBrk="0" hangingPunct="1">
-                <a:lnSpc>
-                  <a:spcPct val="100000"/>
-                </a:lnSpc>
-                <a:spcBef>
-                  <a:spcPct val="0"/>
-                </a:spcBef>
-                <a:spcAft>
-                  <a:spcPct val="0"/>
-                </a:spcAft>
-                <a:buClrTx/>
-                <a:buSzTx/>
-                <a:buFontTx/>
-                <a:buNone/>
-              </a:pPr>
-              <a:t>15</a:t>
             </a:fld>
             <a:endParaRPr kumimoji="0" lang="zh-CN" altLang="en-US" sz="1050" b="0" i="0" u="none" strike="noStrike" kern="1200" cap="none" spc="0" normalizeH="0" baseline="0" noProof="1">
               <a:solidFill>
@@ -6821,6 +6934,11 @@
               </a:rPr>
               <a:t>使用过程中点击主页面快速模式进入如下页面，根据需求选择电压表或电流表模式，相应模式的适合范围已默认设置，若不适合可重新设定，后续使用方式同测量，如图6.1所示：</a:t>
             </a:r>
+            <a:endParaRPr lang="zh-CN" altLang="en-US" sz="1200">
+              <a:latin typeface="微软雅黑" panose="020B0503020204020204" charset="-122"/>
+              <a:ea typeface="微软雅黑" panose="020B0503020204020204" charset="-122"/>
+              <a:sym typeface="宋体" panose="02010600030101010101" pitchFamily="2" charset="-122"/>
+            </a:endParaRPr>
           </a:p>
         </p:txBody>
       </p:sp>
@@ -6871,6 +6989,10 @@
               </a:rPr>
               <a:t>快速模式界面</a:t>
             </a:r>
+            <a:endParaRPr lang="zh-CN" altLang="en-US" sz="1200">
+              <a:latin typeface="微软雅黑" panose="020B0503020204020204" charset="-122"/>
+              <a:ea typeface="微软雅黑" panose="020B0503020204020204" charset="-122"/>
+            </a:endParaRPr>
           </a:p>
         </p:txBody>
       </p:sp>
@@ -6883,7 +7005,7 @@
           <p:nvPr/>
         </p:nvPicPr>
         <p:blipFill>
-          <a:blip r:embed="rId2" cstate="print"/>
+          <a:blip r:embed="rId1" cstate="print"/>
           <a:stretch>
             <a:fillRect/>
           </a:stretch>
@@ -6911,7 +7033,7 @@
           <p:nvPr/>
         </p:nvPicPr>
         <p:blipFill>
-          <a:blip r:embed="rId3"/>
+          <a:blip r:embed="rId2"/>
           <a:stretch>
             <a:fillRect/>
           </a:stretch>
@@ -7006,7 +7128,7 @@
                 <a:latin typeface="微软雅黑" panose="020B0503020204020204" charset="-122"/>
                 <a:ea typeface="微软雅黑" panose="020B0503020204020204" charset="-122"/>
                 <a:cs typeface="+mn-cs"/>
-                <a:hlinkClick r:id="rId2" action="ppaction://hlinksldjump"/>
+                <a:hlinkClick r:id="rId1" action="ppaction://hlinksldjump"/>
               </a:rPr>
               <a:t>S 系列源表简介  </a:t>
             </a:r>
@@ -7018,7 +7140,7 @@
                 <a:latin typeface="微软雅黑" panose="020B0503020204020204" charset="-122"/>
                 <a:ea typeface="+mn-ea"/>
                 <a:cs typeface="+mn-cs"/>
-                <a:hlinkClick r:id="rId2" action="ppaction://hlinksldjump"/>
+                <a:hlinkClick r:id="rId1" action="ppaction://hlinksldjump"/>
               </a:rPr>
               <a:t>..................</a:t>
             </a:r>
@@ -7031,7 +7153,7 @@
                 <a:ea typeface="+mn-ea"/>
                 <a:cs typeface="+mn-cs"/>
                 <a:sym typeface="宋体" panose="02010600030101010101" pitchFamily="2" charset="-122"/>
-                <a:hlinkClick r:id="rId2" action="ppaction://hlinksldjump"/>
+                <a:hlinkClick r:id="rId1" action="ppaction://hlinksldjump"/>
               </a:rPr>
               <a:t>................................... </a:t>
             </a:r>
@@ -7043,7 +7165,7 @@
                 <a:latin typeface="微软雅黑" panose="020B0503020204020204" charset="-122"/>
                 <a:ea typeface="微软雅黑" panose="020B0503020204020204" charset="-122"/>
                 <a:cs typeface="+mn-cs"/>
-                <a:hlinkClick r:id="rId2" action="ppaction://hlinksldjump"/>
+                <a:hlinkClick r:id="rId1" action="ppaction://hlinksldjump"/>
               </a:rPr>
               <a:t>3</a:t>
             </a:r>
@@ -7081,7 +7203,7 @@
                 <a:latin typeface="微软雅黑" panose="020B0503020204020204" charset="-122"/>
                 <a:ea typeface="微软雅黑" panose="020B0503020204020204" charset="-122"/>
                 <a:cs typeface="+mn-cs"/>
-                <a:hlinkClick r:id="rId2" action="ppaction://hlinksldjump"/>
+                <a:hlinkClick r:id="rId1" action="ppaction://hlinksldjump"/>
               </a:rPr>
               <a:t>1.1 S 系列源表按键操作说明  </a:t>
             </a:r>
@@ -7094,7 +7216,7 @@
                 <a:ea typeface="+mn-ea"/>
                 <a:cs typeface="+mn-cs"/>
                 <a:sym typeface="宋体" panose="02010600030101010101" pitchFamily="2" charset="-122"/>
-                <a:hlinkClick r:id="rId2" action="ppaction://hlinksldjump"/>
+                <a:hlinkClick r:id="rId1" action="ppaction://hlinksldjump"/>
               </a:rPr>
               <a:t>............................. </a:t>
             </a:r>
@@ -7106,7 +7228,7 @@
                 <a:latin typeface="微软雅黑" panose="020B0503020204020204" charset="-122"/>
                 <a:ea typeface="微软雅黑" panose="020B0503020204020204" charset="-122"/>
                 <a:cs typeface="+mn-cs"/>
-                <a:hlinkClick r:id="rId2" action="ppaction://hlinksldjump"/>
+                <a:hlinkClick r:id="rId1" action="ppaction://hlinksldjump"/>
               </a:rPr>
               <a:t>3</a:t>
             </a:r>
@@ -7144,7 +7266,7 @@
                 <a:latin typeface="微软雅黑" panose="020B0503020204020204" charset="-122"/>
                 <a:ea typeface="微软雅黑" panose="020B0503020204020204" charset="-122"/>
                 <a:cs typeface="+mn-cs"/>
-                <a:hlinkClick r:id="rId3" action="ppaction://hlinksldjump"/>
+                <a:hlinkClick r:id="rId2" action="ppaction://hlinksldjump"/>
               </a:rPr>
               <a:t>1.2 主界面功能介绍  </a:t>
             </a:r>
@@ -7157,7 +7279,7 @@
                 <a:ea typeface="+mn-ea"/>
                 <a:cs typeface="+mn-cs"/>
                 <a:sym typeface="宋体" panose="02010600030101010101" pitchFamily="2" charset="-122"/>
-                <a:hlinkClick r:id="rId3" action="ppaction://hlinksldjump"/>
+                <a:hlinkClick r:id="rId2" action="ppaction://hlinksldjump"/>
               </a:rPr>
               <a:t>............................................. </a:t>
             </a:r>
@@ -7169,7 +7291,7 @@
                 <a:latin typeface="微软雅黑" panose="020B0503020204020204" charset="-122"/>
                 <a:ea typeface="微软雅黑" panose="020B0503020204020204" charset="-122"/>
                 <a:cs typeface="+mn-cs"/>
-                <a:hlinkClick r:id="rId3" action="ppaction://hlinksldjump"/>
+                <a:hlinkClick r:id="rId2" action="ppaction://hlinksldjump"/>
               </a:rPr>
               <a:t>4</a:t>
             </a:r>
@@ -7207,7 +7329,7 @@
                 <a:latin typeface="微软雅黑" panose="020B0503020204020204" charset="-122"/>
                 <a:ea typeface="微软雅黑" panose="020B0503020204020204" charset="-122"/>
                 <a:cs typeface="+mn-cs"/>
-                <a:hlinkClick r:id="rId4" action="ppaction://hlinksldjump"/>
+                <a:hlinkClick r:id="rId3" action="ppaction://hlinksldjump"/>
               </a:rPr>
               <a:t>测量  </a:t>
             </a:r>
@@ -7220,7 +7342,7 @@
                 <a:ea typeface="+mn-ea"/>
                 <a:cs typeface="+mn-cs"/>
                 <a:sym typeface="宋体" panose="02010600030101010101" pitchFamily="2" charset="-122"/>
-                <a:hlinkClick r:id="rId4" action="ppaction://hlinksldjump"/>
+                <a:hlinkClick r:id="rId3" action="ppaction://hlinksldjump"/>
               </a:rPr>
               <a:t>......................................................................... </a:t>
             </a:r>
@@ -7232,7 +7354,7 @@
                 <a:latin typeface="微软雅黑" panose="020B0503020204020204" charset="-122"/>
                 <a:ea typeface="微软雅黑" panose="020B0503020204020204" charset="-122"/>
                 <a:cs typeface="+mn-cs"/>
-                <a:hlinkClick r:id="rId4" action="ppaction://hlinksldjump"/>
+                <a:hlinkClick r:id="rId3" action="ppaction://hlinksldjump"/>
               </a:rPr>
               <a:t>5</a:t>
             </a:r>
@@ -7270,7 +7392,7 @@
                 <a:latin typeface="微软雅黑" panose="020B0503020204020204" charset="-122"/>
                 <a:ea typeface="微软雅黑" panose="020B0503020204020204" charset="-122"/>
                 <a:cs typeface="+mn-cs"/>
-                <a:hlinkClick r:id="rId4" action="ppaction://hlinksldjump"/>
+                <a:hlinkClick r:id="rId3" action="ppaction://hlinksldjump"/>
               </a:rPr>
               <a:t>2.1 测量界面简介  </a:t>
             </a:r>
@@ -7283,7 +7405,7 @@
                 <a:ea typeface="+mn-ea"/>
                 <a:cs typeface="+mn-cs"/>
                 <a:sym typeface="宋体" panose="02010600030101010101" pitchFamily="2" charset="-122"/>
-                <a:hlinkClick r:id="rId4" action="ppaction://hlinksldjump"/>
+                <a:hlinkClick r:id="rId3" action="ppaction://hlinksldjump"/>
               </a:rPr>
               <a:t>................................................. </a:t>
             </a:r>
@@ -7295,7 +7417,7 @@
                 <a:latin typeface="微软雅黑" panose="020B0503020204020204" charset="-122"/>
                 <a:ea typeface="微软雅黑" panose="020B0503020204020204" charset="-122"/>
                 <a:cs typeface="+mn-cs"/>
-                <a:hlinkClick r:id="rId4" action="ppaction://hlinksldjump"/>
+                <a:hlinkClick r:id="rId3" action="ppaction://hlinksldjump"/>
               </a:rPr>
               <a:t>5</a:t>
             </a:r>
@@ -7333,7 +7455,7 @@
                 <a:latin typeface="微软雅黑" panose="020B0503020204020204" charset="-122"/>
                 <a:ea typeface="微软雅黑" panose="020B0503020204020204" charset="-122"/>
                 <a:cs typeface="+mn-cs"/>
-                <a:hlinkClick r:id="rId5" action="ppaction://hlinksldjump"/>
+                <a:hlinkClick r:id="rId4" action="ppaction://hlinksldjump"/>
               </a:rPr>
               <a:t>2.</a:t>
             </a:r>
@@ -7345,7 +7467,7 @@
                 <a:latin typeface="微软雅黑" panose="020B0503020204020204" charset="-122"/>
                 <a:ea typeface="+mn-ea"/>
                 <a:cs typeface="+mn-cs"/>
-                <a:hlinkClick r:id="rId5" action="ppaction://hlinksldjump"/>
+                <a:hlinkClick r:id="rId4" action="ppaction://hlinksldjump"/>
               </a:rPr>
               <a:t>2</a:t>
             </a:r>
@@ -7357,7 +7479,7 @@
                 <a:latin typeface="微软雅黑" panose="020B0503020204020204" charset="-122"/>
                 <a:ea typeface="微软雅黑" panose="020B0503020204020204" charset="-122"/>
                 <a:cs typeface="+mn-cs"/>
-                <a:hlinkClick r:id="rId5" action="ppaction://hlinksldjump"/>
+                <a:hlinkClick r:id="rId4" action="ppaction://hlinksldjump"/>
               </a:rPr>
               <a:t> 功能介绍  </a:t>
             </a:r>
@@ -7370,7 +7492,7 @@
                 <a:ea typeface="+mn-ea"/>
                 <a:cs typeface="+mn-cs"/>
                 <a:sym typeface="宋体" panose="02010600030101010101" pitchFamily="2" charset="-122"/>
-                <a:hlinkClick r:id="rId5" action="ppaction://hlinksldjump"/>
+                <a:hlinkClick r:id="rId4" action="ppaction://hlinksldjump"/>
               </a:rPr>
               <a:t>......................................................... </a:t>
             </a:r>
@@ -7382,7 +7504,7 @@
                 <a:latin typeface="微软雅黑" panose="020B0503020204020204" charset="-122"/>
                 <a:ea typeface="+mn-ea"/>
                 <a:cs typeface="+mn-cs"/>
-                <a:hlinkClick r:id="rId5" action="ppaction://hlinksldjump"/>
+                <a:hlinkClick r:id="rId4" action="ppaction://hlinksldjump"/>
               </a:rPr>
               <a:t>6</a:t>
             </a:r>
@@ -7396,127 +7518,6 @@
                 <a:cs typeface="+mn-cs"/>
               </a:rPr>
               <a:t>         </a:t>
-            </a:r>
-          </a:p>
-          <a:p>
-            <a:pPr algn="just" defTabSz="685800">
-              <a:lnSpc>
-                <a:spcPct val="150000"/>
-              </a:lnSpc>
-            </a:pPr>
-            <a:r>
-              <a:rPr lang="zh-CN" altLang="en-US" kern="1200" baseline="0" dirty="0">
-                <a:solidFill>
-                  <a:srgbClr val="595959"/>
-                </a:solidFill>
-                <a:latin typeface="微软雅黑" panose="020B0503020204020204" charset="-122"/>
-                <a:ea typeface="微软雅黑" panose="020B0503020204020204" charset="-122"/>
-                <a:cs typeface="+mn-cs"/>
-              </a:rPr>
-              <a:t>      </a:t>
-            </a:r>
-            <a:r>
-              <a:rPr lang="zh-CN" altLang="en-US" kern="1200" baseline="0" dirty="0">
-                <a:solidFill>
-                  <a:srgbClr val="595959"/>
-                </a:solidFill>
-                <a:latin typeface="微软雅黑" panose="020B0503020204020204" charset="-122"/>
-                <a:ea typeface="微软雅黑" panose="020B0503020204020204" charset="-122"/>
-                <a:cs typeface="+mn-cs"/>
-                <a:hlinkClick r:id="rId5" action="ppaction://hlinksldjump"/>
-              </a:rPr>
-              <a:t>2.3 操作步骤  </a:t>
-            </a:r>
-            <a:r>
-              <a:rPr lang="en-US" altLang="zh-CN" kern="1200" baseline="0" dirty="0">
-                <a:solidFill>
-                  <a:srgbClr val="595959"/>
-                </a:solidFill>
-                <a:latin typeface="微软雅黑" panose="020B0503020204020204" charset="-122"/>
-                <a:ea typeface="+mn-ea"/>
-                <a:cs typeface="+mn-cs"/>
-                <a:sym typeface="宋体" panose="02010600030101010101" pitchFamily="2" charset="-122"/>
-                <a:hlinkClick r:id="rId5" action="ppaction://hlinksldjump"/>
-              </a:rPr>
-              <a:t>......................................................... </a:t>
-            </a:r>
-            <a:r>
-              <a:rPr lang="zh-CN" altLang="en-US" kern="1200" baseline="0" dirty="0">
-                <a:solidFill>
-                  <a:srgbClr val="595959"/>
-                </a:solidFill>
-                <a:latin typeface="微软雅黑" panose="020B0503020204020204" charset="-122"/>
-                <a:ea typeface="微软雅黑" panose="020B0503020204020204" charset="-122"/>
-                <a:cs typeface="+mn-cs"/>
-                <a:hlinkClick r:id="rId5" action="ppaction://hlinksldjump"/>
-              </a:rPr>
-              <a:t>7</a:t>
-            </a:r>
-          </a:p>
-          <a:p>
-            <a:pPr algn="just" defTabSz="685800">
-              <a:lnSpc>
-                <a:spcPct val="150000"/>
-              </a:lnSpc>
-            </a:pPr>
-            <a:r>
-              <a:rPr lang="en-US" altLang="zh-CN" kern="1200" baseline="0" dirty="0">
-                <a:solidFill>
-                  <a:srgbClr val="595959"/>
-                </a:solidFill>
-                <a:latin typeface="微软雅黑" panose="020B0503020204020204" charset="-122"/>
-                <a:ea typeface="+mn-ea"/>
-                <a:cs typeface="+mn-cs"/>
-              </a:rPr>
-              <a:t>3</a:t>
-            </a:r>
-            <a:r>
-              <a:rPr lang="zh-CN" altLang="en-US" kern="1200" baseline="0" dirty="0">
-                <a:solidFill>
-                  <a:srgbClr val="595959"/>
-                </a:solidFill>
-                <a:latin typeface="微软雅黑" panose="020B0503020204020204" charset="-122"/>
-                <a:ea typeface="微软雅黑" panose="020B0503020204020204" charset="-122"/>
-                <a:cs typeface="+mn-cs"/>
-              </a:rPr>
-              <a:t>、</a:t>
-            </a:r>
-            <a:r>
-              <a:rPr lang="zh-CN" altLang="en-US" kern="1200" baseline="0" dirty="0">
-                <a:solidFill>
-                  <a:srgbClr val="595959"/>
-                </a:solidFill>
-                <a:latin typeface="微软雅黑" panose="020B0503020204020204" charset="-122"/>
-                <a:ea typeface="微软雅黑" panose="020B0503020204020204" charset="-122"/>
-                <a:cs typeface="+mn-cs"/>
-                <a:hlinkClick r:id="rId6" action="ppaction://hlinksldjump"/>
-              </a:rPr>
-              <a:t>设置  </a:t>
-            </a:r>
-            <a:r>
-              <a:rPr lang="en-US" altLang="zh-CN" kern="1200" baseline="0" dirty="0">
-                <a:solidFill>
-                  <a:srgbClr val="595959"/>
-                </a:solidFill>
-                <a:latin typeface="微软雅黑" panose="020B0503020204020204" charset="-122"/>
-                <a:ea typeface="+mn-ea"/>
-                <a:cs typeface="+mn-cs"/>
-                <a:sym typeface="宋体" panose="02010600030101010101" pitchFamily="2" charset="-122"/>
-                <a:hlinkClick r:id="rId6" action="ppaction://hlinksldjump"/>
-              </a:rPr>
-              <a:t>........................................................................  </a:t>
-            </a:r>
-            <a:r>
-              <a:rPr lang="en-US" altLang="zh-CN" kern="1200" baseline="0" dirty="0">
-                <a:solidFill>
-                  <a:srgbClr val="595959"/>
-                </a:solidFill>
-                <a:latin typeface="微软雅黑" panose="020B0503020204020204" charset="-122"/>
-                <a:ea typeface="+mn-ea"/>
-                <a:cs typeface="+mn-cs"/>
-                <a:hlinkClick r:id="rId6" action="ppaction://hlinksldjump"/>
-              </a:rPr>
-              <a:t>8</a:t>
             </a:r>
             <a:endParaRPr lang="zh-CN" altLang="en-US" kern="1200" baseline="0" dirty="0">
               <a:solidFill>
@@ -7545,28 +7546,16 @@
               <a:t>      </a:t>
             </a:r>
             <a:r>
-              <a:rPr lang="en-US" altLang="zh-CN" kern="1200" baseline="0" dirty="0">
+              <a:rPr lang="zh-CN" altLang="en-US" kern="1200" baseline="0" dirty="0">
                 <a:solidFill>
                   <a:srgbClr val="595959"/>
                 </a:solidFill>
                 <a:latin typeface="微软雅黑" panose="020B0503020204020204" charset="-122"/>
-                <a:ea typeface="+mn-ea"/>
+                <a:ea typeface="微软雅黑" panose="020B0503020204020204" charset="-122"/>
                 <a:cs typeface="+mn-cs"/>
-                <a:hlinkClick r:id="rId6" action="ppaction://hlinksldjump"/>
-              </a:rPr>
-              <a:t>3</a:t>
-            </a:r>
-            <a:r>
-              <a:rPr lang="zh-CN" altLang="en-US" kern="1200" baseline="0" dirty="0">
-                <a:solidFill>
-                  <a:srgbClr val="595959"/>
-                </a:solidFill>
-                <a:latin typeface="微软雅黑" panose="020B0503020204020204" charset="-122"/>
-                <a:ea typeface="微软雅黑" panose="020B0503020204020204" charset="-122"/>
-                <a:cs typeface="+mn-cs"/>
-                <a:hlinkClick r:id="rId6" action="ppaction://hlinksldjump"/>
-              </a:rPr>
-              <a:t>.1 设置主页面  </a:t>
+                <a:hlinkClick r:id="rId4" action="ppaction://hlinksldjump"/>
+              </a:rPr>
+              <a:t>2.3 操作步骤  </a:t>
             </a:r>
             <a:r>
               <a:rPr lang="en-US" altLang="zh-CN" kern="1200" baseline="0" dirty="0">
@@ -7577,21 +7566,21 @@
                 <a:ea typeface="+mn-ea"/>
                 <a:cs typeface="+mn-cs"/>
                 <a:sym typeface="宋体" panose="02010600030101010101" pitchFamily="2" charset="-122"/>
-                <a:hlinkClick r:id="rId6" action="ppaction://hlinksldjump"/>
-              </a:rPr>
-              <a:t>..................................................... </a:t>
-            </a:r>
-            <a:r>
-              <a:rPr lang="en-US" altLang="zh-CN" kern="1200" baseline="0" dirty="0">
+                <a:hlinkClick r:id="rId4" action="ppaction://hlinksldjump"/>
+              </a:rPr>
+              <a:t>......................................................... </a:t>
+            </a:r>
+            <a:r>
+              <a:rPr lang="zh-CN" altLang="en-US" kern="1200" baseline="0" dirty="0">
                 <a:solidFill>
                   <a:srgbClr val="595959"/>
                 </a:solidFill>
                 <a:latin typeface="微软雅黑" panose="020B0503020204020204" charset="-122"/>
-                <a:ea typeface="+mn-ea"/>
+                <a:ea typeface="微软雅黑" panose="020B0503020204020204" charset="-122"/>
                 <a:cs typeface="+mn-cs"/>
-                <a:hlinkClick r:id="rId6" action="ppaction://hlinksldjump"/>
-              </a:rPr>
-              <a:t>8</a:t>
+                <a:hlinkClick r:id="rId4" action="ppaction://hlinksldjump"/>
+              </a:rPr>
+              <a:t>7</a:t>
             </a:r>
             <a:endParaRPr lang="zh-CN" altLang="en-US" kern="1200" baseline="0" dirty="0">
               <a:solidFill>
@@ -7609,29 +7598,6 @@
               </a:lnSpc>
             </a:pPr>
             <a:r>
-              <a:rPr lang="zh-CN" altLang="en-US" kern="1200" baseline="0" dirty="0">
-                <a:solidFill>
-                  <a:srgbClr val="595959"/>
-                </a:solidFill>
-                <a:latin typeface="微软雅黑" panose="020B0503020204020204" charset="-122"/>
-                <a:ea typeface="微软雅黑" panose="020B0503020204020204" charset="-122"/>
-                <a:cs typeface="+mn-cs"/>
-              </a:rPr>
-              <a:t>     </a:t>
-            </a:r>
-            <a:r>
-              <a:rPr lang="zh-CN" altLang="en-US" kern="1200" baseline="0" dirty="0">
-                <a:solidFill>
-                  <a:srgbClr val="595959"/>
-                </a:solidFill>
-                <a:latin typeface="微软雅黑" panose="020B0503020204020204" charset="-122"/>
-                <a:ea typeface="微软雅黑" panose="020B0503020204020204" charset="-122"/>
-                <a:cs typeface="+mn-cs"/>
-                <a:hlinkClick r:id="rId6" action="ppaction://hlinksldjump"/>
-              </a:rPr>
-              <a:t> </a:t>
-            </a:r>
-            <a:r>
               <a:rPr lang="en-US" altLang="zh-CN" kern="1200" baseline="0" dirty="0">
                 <a:solidFill>
                   <a:srgbClr val="595959"/>
@@ -7639,7 +7605,6 @@
                 <a:latin typeface="微软雅黑" panose="020B0503020204020204" charset="-122"/>
                 <a:ea typeface="+mn-ea"/>
                 <a:cs typeface="+mn-cs"/>
-                <a:hlinkClick r:id="rId6" action="ppaction://hlinksldjump"/>
               </a:rPr>
               <a:t>3</a:t>
             </a:r>
@@ -7651,9 +7616,20 @@
                 <a:latin typeface="微软雅黑" panose="020B0503020204020204" charset="-122"/>
                 <a:ea typeface="微软雅黑" panose="020B0503020204020204" charset="-122"/>
                 <a:cs typeface="+mn-cs"/>
-                <a:hlinkClick r:id="rId6" action="ppaction://hlinksldjump"/>
-              </a:rPr>
-              <a:t>.2 IP地址设置  </a:t>
+              </a:rPr>
+              <a:t>、</a:t>
+            </a:r>
+            <a:r>
+              <a:rPr lang="zh-CN" altLang="en-US" kern="1200" baseline="0" dirty="0">
+                <a:solidFill>
+                  <a:srgbClr val="595959"/>
+                </a:solidFill>
+                <a:latin typeface="微软雅黑" panose="020B0503020204020204" charset="-122"/>
+                <a:ea typeface="微软雅黑" panose="020B0503020204020204" charset="-122"/>
+                <a:cs typeface="+mn-cs"/>
+                <a:hlinkClick r:id="rId5" action="ppaction://hlinksldjump"/>
+              </a:rPr>
+              <a:t>设置  </a:t>
             </a:r>
             <a:r>
               <a:rPr lang="en-US" altLang="zh-CN" kern="1200" baseline="0" dirty="0">
@@ -7664,9 +7640,9 @@
                 <a:ea typeface="+mn-ea"/>
                 <a:cs typeface="+mn-cs"/>
                 <a:sym typeface="宋体" panose="02010600030101010101" pitchFamily="2" charset="-122"/>
-                <a:hlinkClick r:id="rId6" action="ppaction://hlinksldjump"/>
-              </a:rPr>
-              <a:t>..................................................... </a:t>
+                <a:hlinkClick r:id="rId5" action="ppaction://hlinksldjump"/>
+              </a:rPr>
+              <a:t>........................................................................  </a:t>
             </a:r>
             <a:r>
               <a:rPr lang="en-US" altLang="zh-CN" kern="1200" baseline="0" dirty="0">
@@ -7676,7 +7652,7 @@
                 <a:latin typeface="微软雅黑" panose="020B0503020204020204" charset="-122"/>
                 <a:ea typeface="+mn-ea"/>
                 <a:cs typeface="+mn-cs"/>
-                <a:hlinkClick r:id="rId6" action="ppaction://hlinksldjump"/>
+                <a:hlinkClick r:id="rId5" action="ppaction://hlinksldjump"/>
               </a:rPr>
               <a:t>8</a:t>
             </a:r>
@@ -7714,7 +7690,7 @@
                 <a:latin typeface="微软雅黑" panose="020B0503020204020204" charset="-122"/>
                 <a:ea typeface="+mn-ea"/>
                 <a:cs typeface="+mn-cs"/>
-                <a:hlinkClick r:id="rId7" action="ppaction://hlinksldjump"/>
+                <a:hlinkClick r:id="rId5" action="ppaction://hlinksldjump"/>
               </a:rPr>
               <a:t>3</a:t>
             </a:r>
@@ -7726,9 +7702,9 @@
                 <a:latin typeface="微软雅黑" panose="020B0503020204020204" charset="-122"/>
                 <a:ea typeface="微软雅黑" panose="020B0503020204020204" charset="-122"/>
                 <a:cs typeface="+mn-cs"/>
-                <a:hlinkClick r:id="rId7" action="ppaction://hlinksldjump"/>
-              </a:rPr>
-              <a:t>.3 版本升级  </a:t>
+                <a:hlinkClick r:id="rId5" action="ppaction://hlinksldjump"/>
+              </a:rPr>
+              <a:t>.1 设置主页面  </a:t>
             </a:r>
             <a:r>
               <a:rPr lang="en-US" altLang="zh-CN" kern="1200" baseline="0" dirty="0">
@@ -7739,9 +7715,9 @@
                 <a:ea typeface="+mn-ea"/>
                 <a:cs typeface="+mn-cs"/>
                 <a:sym typeface="宋体" panose="02010600030101010101" pitchFamily="2" charset="-122"/>
-                <a:hlinkClick r:id="rId7" action="ppaction://hlinksldjump"/>
-              </a:rPr>
-              <a:t>......................................................... </a:t>
+                <a:hlinkClick r:id="rId5" action="ppaction://hlinksldjump"/>
+              </a:rPr>
+              <a:t>..................................................... </a:t>
             </a:r>
             <a:r>
               <a:rPr lang="en-US" altLang="zh-CN" kern="1200" baseline="0" dirty="0">
@@ -7751,87 +7727,9 @@
                 <a:latin typeface="微软雅黑" panose="020B0503020204020204" charset="-122"/>
                 <a:ea typeface="+mn-ea"/>
                 <a:cs typeface="+mn-cs"/>
-                <a:hlinkClick r:id="rId7" action="ppaction://hlinksldjump"/>
-              </a:rPr>
-              <a:t>9</a:t>
-            </a:r>
-          </a:p>
-          <a:p>
-            <a:pPr algn="just" defTabSz="685800">
-              <a:lnSpc>
-                <a:spcPct val="150000"/>
-              </a:lnSpc>
-            </a:pPr>
-            <a:r>
-              <a:rPr lang="en-US" altLang="zh-CN" kern="1200" baseline="0" dirty="0">
-                <a:solidFill>
-                  <a:srgbClr val="595959"/>
-                </a:solidFill>
-                <a:latin typeface="微软雅黑" panose="020B0503020204020204" charset="-122"/>
-                <a:ea typeface="+mn-ea"/>
-                <a:cs typeface="+mn-cs"/>
-              </a:rPr>
-              <a:t>4</a:t>
-            </a:r>
-            <a:r>
-              <a:rPr lang="zh-CN" altLang="en-US" kern="1200" baseline="0" dirty="0">
-                <a:solidFill>
-                  <a:srgbClr val="595959"/>
-                </a:solidFill>
-                <a:latin typeface="微软雅黑" panose="020B0503020204020204" charset="-122"/>
-                <a:ea typeface="微软雅黑" panose="020B0503020204020204" charset="-122"/>
-                <a:cs typeface="+mn-cs"/>
-              </a:rPr>
-              <a:t>、</a:t>
-            </a:r>
-            <a:r>
-              <a:rPr lang="zh-CN" altLang="en-US" kern="1200" baseline="0" dirty="0">
-                <a:solidFill>
-                  <a:srgbClr val="595959"/>
-                </a:solidFill>
-                <a:latin typeface="微软雅黑" panose="020B0503020204020204" charset="-122"/>
-                <a:ea typeface="微软雅黑" panose="020B0503020204020204" charset="-122"/>
-                <a:cs typeface="+mn-cs"/>
-                <a:hlinkClick r:id="rId8" action="ppaction://hlinksldjump"/>
-              </a:rPr>
-              <a:t>版本信息  </a:t>
-            </a:r>
-            <a:r>
-              <a:rPr lang="en-US" altLang="zh-CN" kern="1200" baseline="0" dirty="0">
-                <a:solidFill>
-                  <a:srgbClr val="595959"/>
-                </a:solidFill>
-                <a:latin typeface="微软雅黑" panose="020B0503020204020204" charset="-122"/>
-                <a:ea typeface="+mn-ea"/>
-                <a:cs typeface="+mn-cs"/>
-                <a:sym typeface="宋体" panose="02010600030101010101" pitchFamily="2" charset="-122"/>
-                <a:hlinkClick r:id="rId8" action="ppaction://hlinksldjump"/>
-              </a:rPr>
-              <a:t>............................................................... </a:t>
-            </a:r>
-            <a:r>
-              <a:rPr lang="zh-CN" altLang="en-US" kern="1200" baseline="0" dirty="0">
-                <a:solidFill>
-                  <a:srgbClr val="595959"/>
-                </a:solidFill>
-                <a:latin typeface="微软雅黑" panose="020B0503020204020204" charset="-122"/>
-                <a:ea typeface="微软雅黑" panose="020B0503020204020204" charset="-122"/>
-                <a:cs typeface="+mn-cs"/>
-                <a:hlinkClick r:id="rId8" action="ppaction://hlinksldjump"/>
-              </a:rPr>
-              <a:t>1</a:t>
-            </a:r>
-            <a:r>
-              <a:rPr lang="en-US" altLang="zh-CN" kern="1200" baseline="0" dirty="0">
-                <a:solidFill>
-                  <a:srgbClr val="595959"/>
-                </a:solidFill>
-                <a:latin typeface="微软雅黑" panose="020B0503020204020204" charset="-122"/>
-                <a:ea typeface="+mn-ea"/>
-                <a:cs typeface="+mn-cs"/>
-                <a:hlinkClick r:id="rId8" action="ppaction://hlinksldjump"/>
-              </a:rPr>
-              <a:t>0</a:t>
+                <a:hlinkClick r:id="rId5" action="ppaction://hlinksldjump"/>
+              </a:rPr>
+              <a:t>8</a:t>
             </a:r>
             <a:endParaRPr lang="zh-CN" altLang="en-US" kern="1200" baseline="0" dirty="0">
               <a:solidFill>
@@ -7849,15 +7747,39 @@
               </a:lnSpc>
             </a:pPr>
             <a:r>
+              <a:rPr lang="zh-CN" altLang="en-US" kern="1200" baseline="0" dirty="0">
+                <a:solidFill>
+                  <a:srgbClr val="595959"/>
+                </a:solidFill>
+                <a:latin typeface="微软雅黑" panose="020B0503020204020204" charset="-122"/>
+                <a:ea typeface="微软雅黑" panose="020B0503020204020204" charset="-122"/>
+                <a:cs typeface="+mn-cs"/>
+              </a:rPr>
+              <a:t>     </a:t>
+            </a:r>
+            <a:r>
+              <a:rPr lang="zh-CN" altLang="en-US" kern="1200" baseline="0" dirty="0">
+                <a:solidFill>
+                  <a:srgbClr val="595959"/>
+                </a:solidFill>
+                <a:latin typeface="微软雅黑" panose="020B0503020204020204" charset="-122"/>
+                <a:ea typeface="微软雅黑" panose="020B0503020204020204" charset="-122"/>
+                <a:cs typeface="+mn-cs"/>
+                <a:hlinkClick r:id="rId5" action="ppaction://hlinksldjump"/>
+              </a:rPr>
+              <a:t> </a:t>
+            </a:r>
+            <a:r>
               <a:rPr lang="en-US" altLang="zh-CN" kern="1200" baseline="0" dirty="0">
                 <a:solidFill>
                   <a:srgbClr val="595959"/>
                 </a:solidFill>
                 <a:latin typeface="微软雅黑" panose="020B0503020204020204" charset="-122"/>
-                <a:ea typeface="微软雅黑" panose="020B0503020204020204" charset="-122"/>
+                <a:ea typeface="+mn-ea"/>
                 <a:cs typeface="+mn-cs"/>
-              </a:rPr>
-              <a:t>5</a:t>
+                <a:hlinkClick r:id="rId5" action="ppaction://hlinksldjump"/>
+              </a:rPr>
+              <a:t>3</a:t>
             </a:r>
             <a:r>
               <a:rPr lang="zh-CN" altLang="en-US" kern="1200" baseline="0" dirty="0">
@@ -7867,20 +7789,9 @@
                 <a:latin typeface="微软雅黑" panose="020B0503020204020204" charset="-122"/>
                 <a:ea typeface="微软雅黑" panose="020B0503020204020204" charset="-122"/>
                 <a:cs typeface="+mn-cs"/>
-              </a:rPr>
-              <a:t>、</a:t>
-            </a:r>
-            <a:r>
-              <a:rPr lang="zh-CN" altLang="en-US" kern="1200" baseline="0" dirty="0">
-                <a:solidFill>
-                  <a:srgbClr val="595959"/>
-                </a:solidFill>
-                <a:latin typeface="微软雅黑" panose="020B0503020204020204" charset="-122"/>
-                <a:ea typeface="微软雅黑" panose="020B0503020204020204" charset="-122"/>
-                <a:cs typeface="+mn-cs"/>
-                <a:hlinkClick r:id="rId9" action="ppaction://hlinksldjump"/>
-              </a:rPr>
-              <a:t>扫描  </a:t>
+                <a:hlinkClick r:id="rId5" action="ppaction://hlinksldjump"/>
+              </a:rPr>
+              <a:t>.2 IP地址设置  </a:t>
             </a:r>
             <a:r>
               <a:rPr lang="en-US" altLang="zh-CN" kern="1200" baseline="0" dirty="0">
@@ -7891,9 +7802,21 @@
                 <a:ea typeface="+mn-ea"/>
                 <a:cs typeface="+mn-cs"/>
                 <a:sym typeface="宋体" panose="02010600030101010101" pitchFamily="2" charset="-122"/>
-                <a:hlinkClick r:id="rId9" action="ppaction://hlinksldjump"/>
-              </a:rPr>
-              <a:t>....................................................................... 11</a:t>
+                <a:hlinkClick r:id="rId5" action="ppaction://hlinksldjump"/>
+              </a:rPr>
+              <a:t>..................................................... </a:t>
+            </a:r>
+            <a:r>
+              <a:rPr lang="en-US" altLang="zh-CN" kern="1200" baseline="0" dirty="0">
+                <a:solidFill>
+                  <a:srgbClr val="595959"/>
+                </a:solidFill>
+                <a:latin typeface="微软雅黑" panose="020B0503020204020204" charset="-122"/>
+                <a:ea typeface="+mn-ea"/>
+                <a:cs typeface="+mn-cs"/>
+                <a:hlinkClick r:id="rId5" action="ppaction://hlinksldjump"/>
+              </a:rPr>
+              <a:t>8</a:t>
             </a:r>
             <a:endParaRPr lang="zh-CN" altLang="en-US" kern="1200" baseline="0" dirty="0">
               <a:solidFill>
@@ -7927,11 +7850,11 @@
                   <a:srgbClr val="595959"/>
                 </a:solidFill>
                 <a:latin typeface="微软雅黑" panose="020B0503020204020204" charset="-122"/>
-                <a:ea typeface="微软雅黑" panose="020B0503020204020204" charset="-122"/>
+                <a:ea typeface="+mn-ea"/>
                 <a:cs typeface="+mn-cs"/>
-                <a:hlinkClick r:id="rId9" action="ppaction://hlinksldjump"/>
-              </a:rPr>
-              <a:t>5</a:t>
+                <a:hlinkClick r:id="rId6" action="ppaction://hlinksldjump"/>
+              </a:rPr>
+              <a:t>3</a:t>
             </a:r>
             <a:r>
               <a:rPr lang="zh-CN" altLang="en-US" kern="1200" baseline="0" dirty="0">
@@ -7941,9 +7864,9 @@
                 <a:latin typeface="微软雅黑" panose="020B0503020204020204" charset="-122"/>
                 <a:ea typeface="微软雅黑" panose="020B0503020204020204" charset="-122"/>
                 <a:cs typeface="+mn-cs"/>
-                <a:hlinkClick r:id="rId9" action="ppaction://hlinksldjump"/>
-              </a:rPr>
-              <a:t>.1 扫描界面简介  </a:t>
+                <a:hlinkClick r:id="rId6" action="ppaction://hlinksldjump"/>
+              </a:rPr>
+              <a:t>.3 版本升级  </a:t>
             </a:r>
             <a:r>
               <a:rPr lang="en-US" altLang="zh-CN" kern="1200" baseline="0" dirty="0">
@@ -7954,9 +7877,107 @@
                 <a:ea typeface="+mn-ea"/>
                 <a:cs typeface="+mn-cs"/>
                 <a:sym typeface="宋体" panose="02010600030101010101" pitchFamily="2" charset="-122"/>
-                <a:hlinkClick r:id="rId9" action="ppaction://hlinksldjump"/>
-              </a:rPr>
-              <a:t>............................................... 11</a:t>
+                <a:hlinkClick r:id="rId6" action="ppaction://hlinksldjump"/>
+              </a:rPr>
+              <a:t>......................................................... </a:t>
+            </a:r>
+            <a:r>
+              <a:rPr lang="en-US" altLang="zh-CN" kern="1200" baseline="0" dirty="0">
+                <a:solidFill>
+                  <a:srgbClr val="595959"/>
+                </a:solidFill>
+                <a:latin typeface="微软雅黑" panose="020B0503020204020204" charset="-122"/>
+                <a:ea typeface="+mn-ea"/>
+                <a:cs typeface="+mn-cs"/>
+                <a:hlinkClick r:id="rId6" action="ppaction://hlinksldjump"/>
+              </a:rPr>
+              <a:t>9</a:t>
+            </a:r>
+            <a:endParaRPr lang="en-US" altLang="zh-CN" kern="1200" baseline="0" dirty="0">
+              <a:solidFill>
+                <a:srgbClr val="595959"/>
+              </a:solidFill>
+              <a:latin typeface="微软雅黑" panose="020B0503020204020204" charset="-122"/>
+              <a:ea typeface="+mn-ea"/>
+              <a:cs typeface="+mn-cs"/>
+            </a:endParaRPr>
+          </a:p>
+          <a:p>
+            <a:pPr algn="just" defTabSz="685800">
+              <a:lnSpc>
+                <a:spcPct val="150000"/>
+              </a:lnSpc>
+            </a:pPr>
+            <a:r>
+              <a:rPr lang="en-US" altLang="zh-CN" kern="1200" baseline="0" dirty="0">
+                <a:solidFill>
+                  <a:srgbClr val="595959"/>
+                </a:solidFill>
+                <a:latin typeface="微软雅黑" panose="020B0503020204020204" charset="-122"/>
+                <a:ea typeface="+mn-ea"/>
+                <a:cs typeface="+mn-cs"/>
+              </a:rPr>
+              <a:t>4</a:t>
+            </a:r>
+            <a:r>
+              <a:rPr lang="zh-CN" altLang="en-US" kern="1200" baseline="0" dirty="0">
+                <a:solidFill>
+                  <a:srgbClr val="595959"/>
+                </a:solidFill>
+                <a:latin typeface="微软雅黑" panose="020B0503020204020204" charset="-122"/>
+                <a:ea typeface="微软雅黑" panose="020B0503020204020204" charset="-122"/>
+                <a:cs typeface="+mn-cs"/>
+              </a:rPr>
+              <a:t>、</a:t>
+            </a:r>
+            <a:r>
+              <a:rPr lang="zh-CN" altLang="en-US" kern="1200" baseline="0" dirty="0">
+                <a:solidFill>
+                  <a:srgbClr val="595959"/>
+                </a:solidFill>
+                <a:latin typeface="微软雅黑" panose="020B0503020204020204" charset="-122"/>
+                <a:ea typeface="微软雅黑" panose="020B0503020204020204" charset="-122"/>
+                <a:cs typeface="+mn-cs"/>
+                <a:hlinkClick r:id="rId7" action="ppaction://hlinksldjump"/>
+              </a:rPr>
+              <a:t>版本信息  </a:t>
+            </a:r>
+            <a:r>
+              <a:rPr lang="en-US" altLang="zh-CN" kern="1200" baseline="0" dirty="0">
+                <a:solidFill>
+                  <a:srgbClr val="595959"/>
+                </a:solidFill>
+                <a:latin typeface="微软雅黑" panose="020B0503020204020204" charset="-122"/>
+                <a:ea typeface="+mn-ea"/>
+                <a:cs typeface="+mn-cs"/>
+                <a:sym typeface="宋体" panose="02010600030101010101" pitchFamily="2" charset="-122"/>
+                <a:hlinkClick r:id="rId7" action="ppaction://hlinksldjump"/>
+              </a:rPr>
+              <a:t>............................................................... </a:t>
+            </a:r>
+            <a:r>
+              <a:rPr lang="zh-CN" altLang="en-US" kern="1200" baseline="0" dirty="0">
+                <a:solidFill>
+                  <a:srgbClr val="595959"/>
+                </a:solidFill>
+                <a:latin typeface="微软雅黑" panose="020B0503020204020204" charset="-122"/>
+                <a:ea typeface="微软雅黑" panose="020B0503020204020204" charset="-122"/>
+                <a:cs typeface="+mn-cs"/>
+                <a:hlinkClick r:id="rId7" action="ppaction://hlinksldjump"/>
+              </a:rPr>
+              <a:t>1</a:t>
+            </a:r>
+            <a:r>
+              <a:rPr lang="en-US" altLang="zh-CN" kern="1200" baseline="0" dirty="0">
+                <a:solidFill>
+                  <a:srgbClr val="595959"/>
+                </a:solidFill>
+                <a:latin typeface="微软雅黑" panose="020B0503020204020204" charset="-122"/>
+                <a:ea typeface="+mn-ea"/>
+                <a:cs typeface="+mn-cs"/>
+                <a:hlinkClick r:id="rId7" action="ppaction://hlinksldjump"/>
+              </a:rPr>
+              <a:t>0</a:t>
             </a:r>
             <a:endParaRPr lang="zh-CN" altLang="en-US" kern="1200" baseline="0" dirty="0">
               <a:solidFill>
@@ -7974,6 +7995,17 @@
               </a:lnSpc>
             </a:pPr>
             <a:r>
+              <a:rPr lang="en-US" altLang="zh-CN" kern="1200" baseline="0" dirty="0">
+                <a:solidFill>
+                  <a:srgbClr val="595959"/>
+                </a:solidFill>
+                <a:latin typeface="微软雅黑" panose="020B0503020204020204" charset="-122"/>
+                <a:ea typeface="微软雅黑" panose="020B0503020204020204" charset="-122"/>
+                <a:cs typeface="+mn-cs"/>
+              </a:rPr>
+              <a:t>5</a:t>
+            </a:r>
+            <a:r>
               <a:rPr lang="zh-CN" altLang="en-US" kern="1200" baseline="0" dirty="0">
                 <a:solidFill>
                   <a:srgbClr val="595959"/>
@@ -7982,7 +8014,7 @@
                 <a:ea typeface="微软雅黑" panose="020B0503020204020204" charset="-122"/>
                 <a:cs typeface="+mn-cs"/>
               </a:rPr>
-              <a:t>     </a:t>
+              <a:t>、</a:t>
             </a:r>
             <a:r>
               <a:rPr lang="zh-CN" altLang="en-US" kern="1200" baseline="0" dirty="0">
@@ -7992,57 +8024,9 @@
                 <a:latin typeface="微软雅黑" panose="020B0503020204020204" charset="-122"/>
                 <a:ea typeface="微软雅黑" panose="020B0503020204020204" charset="-122"/>
                 <a:cs typeface="+mn-cs"/>
-                <a:hlinkClick r:id="rId10" action="ppaction://hlinksldjump"/>
-              </a:rPr>
-              <a:t> </a:t>
-            </a:r>
-            <a:r>
-              <a:rPr lang="en-US" altLang="zh-CN" kern="1200" baseline="0" dirty="0">
-                <a:solidFill>
-                  <a:srgbClr val="595959"/>
-                </a:solidFill>
-                <a:latin typeface="微软雅黑" panose="020B0503020204020204" charset="-122"/>
-                <a:ea typeface="微软雅黑" panose="020B0503020204020204" charset="-122"/>
-                <a:cs typeface="+mn-cs"/>
-                <a:hlinkClick r:id="rId10" action="ppaction://hlinksldjump"/>
-              </a:rPr>
-              <a:t>5</a:t>
-            </a:r>
-            <a:r>
-              <a:rPr lang="zh-CN" altLang="en-US" kern="1200" baseline="0" dirty="0">
-                <a:solidFill>
-                  <a:srgbClr val="595959"/>
-                </a:solidFill>
-                <a:latin typeface="微软雅黑" panose="020B0503020204020204" charset="-122"/>
-                <a:ea typeface="微软雅黑" panose="020B0503020204020204" charset="-122"/>
-                <a:cs typeface="+mn-cs"/>
-                <a:hlinkClick r:id="rId10" action="ppaction://hlinksldjump"/>
-              </a:rPr>
-              <a:t>.</a:t>
-            </a:r>
-            <a:r>
-              <a:rPr lang="en-US" altLang="zh-CN" kern="1200" baseline="0" dirty="0">
-                <a:solidFill>
-                  <a:srgbClr val="595959"/>
-                </a:solidFill>
-                <a:latin typeface="微软雅黑" panose="020B0503020204020204" charset="-122"/>
-                <a:ea typeface="微软雅黑" panose="020B0503020204020204" charset="-122"/>
-                <a:cs typeface="+mn-cs"/>
-                <a:hlinkClick r:id="rId10" action="ppaction://hlinksldjump"/>
-              </a:rPr>
-              <a:t>2</a:t>
-            </a:r>
-            <a:r>
-              <a:rPr lang="zh-CN" altLang="en-US" kern="1200" baseline="0" dirty="0">
-                <a:solidFill>
-                  <a:srgbClr val="595959"/>
-                </a:solidFill>
-                <a:latin typeface="微软雅黑" panose="020B0503020204020204" charset="-122"/>
-                <a:ea typeface="微软雅黑" panose="020B0503020204020204" charset="-122"/>
-                <a:cs typeface="+mn-cs"/>
-                <a:hlinkClick r:id="rId10" action="ppaction://hlinksldjump"/>
-              </a:rPr>
-              <a:t> 操作步骤  </a:t>
+                <a:hlinkClick r:id="rId8" action="ppaction://hlinksldjump"/>
+              </a:rPr>
+              <a:t>扫描  </a:t>
             </a:r>
             <a:r>
               <a:rPr lang="en-US" altLang="zh-CN" kern="1200" baseline="0" dirty="0">
@@ -8053,10 +8037,25 @@
                 <a:ea typeface="+mn-ea"/>
                 <a:cs typeface="+mn-cs"/>
                 <a:sym typeface="宋体" panose="02010600030101010101" pitchFamily="2" charset="-122"/>
-                <a:hlinkClick r:id="rId10" action="ppaction://hlinksldjump"/>
-              </a:rPr>
-              <a:t>....................................................... </a:t>
-            </a:r>
+                <a:hlinkClick r:id="rId8" action="ppaction://hlinksldjump"/>
+              </a:rPr>
+              <a:t>....................................................................... 11</a:t>
+            </a:r>
+            <a:endParaRPr lang="zh-CN" altLang="en-US" kern="1200" baseline="0" dirty="0">
+              <a:solidFill>
+                <a:srgbClr val="595959"/>
+              </a:solidFill>
+              <a:latin typeface="微软雅黑" panose="020B0503020204020204" charset="-122"/>
+              <a:ea typeface="微软雅黑" panose="020B0503020204020204" charset="-122"/>
+              <a:cs typeface="+mn-cs"/>
+            </a:endParaRPr>
+          </a:p>
+          <a:p>
+            <a:pPr algn="just" defTabSz="685800">
+              <a:lnSpc>
+                <a:spcPct val="150000"/>
+              </a:lnSpc>
+            </a:pPr>
             <a:r>
               <a:rPr lang="zh-CN" altLang="en-US" kern="1200" baseline="0" dirty="0">
                 <a:solidFill>
@@ -8064,11 +8063,84 @@
                 </a:solidFill>
                 <a:latin typeface="微软雅黑" panose="020B0503020204020204" charset="-122"/>
                 <a:ea typeface="微软雅黑" panose="020B0503020204020204" charset="-122"/>
+                <a:cs typeface="+mn-cs"/>
+              </a:rPr>
+              <a:t>      </a:t>
+            </a:r>
+            <a:r>
+              <a:rPr lang="en-US" altLang="zh-CN" kern="1200" baseline="0" dirty="0">
+                <a:solidFill>
+                  <a:srgbClr val="595959"/>
+                </a:solidFill>
+                <a:latin typeface="微软雅黑" panose="020B0503020204020204" charset="-122"/>
+                <a:ea typeface="微软雅黑" panose="020B0503020204020204" charset="-122"/>
+                <a:cs typeface="+mn-cs"/>
+                <a:hlinkClick r:id="rId8" action="ppaction://hlinksldjump"/>
+              </a:rPr>
+              <a:t>5</a:t>
+            </a:r>
+            <a:r>
+              <a:rPr lang="zh-CN" altLang="en-US" kern="1200" baseline="0" dirty="0">
+                <a:solidFill>
+                  <a:srgbClr val="595959"/>
+                </a:solidFill>
+                <a:latin typeface="微软雅黑" panose="020B0503020204020204" charset="-122"/>
+                <a:ea typeface="微软雅黑" panose="020B0503020204020204" charset="-122"/>
+                <a:cs typeface="+mn-cs"/>
+                <a:hlinkClick r:id="rId8" action="ppaction://hlinksldjump"/>
+              </a:rPr>
+              <a:t>.1 扫描界面简介  </a:t>
+            </a:r>
+            <a:r>
+              <a:rPr lang="en-US" altLang="zh-CN" kern="1200" baseline="0" dirty="0">
+                <a:solidFill>
+                  <a:srgbClr val="595959"/>
+                </a:solidFill>
+                <a:latin typeface="微软雅黑" panose="020B0503020204020204" charset="-122"/>
+                <a:ea typeface="+mn-ea"/>
                 <a:cs typeface="+mn-cs"/>
                 <a:sym typeface="宋体" panose="02010600030101010101" pitchFamily="2" charset="-122"/>
-                <a:hlinkClick r:id="rId10" action="ppaction://hlinksldjump"/>
-              </a:rPr>
-              <a:t>1</a:t>
+                <a:hlinkClick r:id="rId8" action="ppaction://hlinksldjump"/>
+              </a:rPr>
+              <a:t>............................................... 11</a:t>
+            </a:r>
+            <a:endParaRPr lang="zh-CN" altLang="en-US" kern="1200" baseline="0" dirty="0">
+              <a:solidFill>
+                <a:srgbClr val="595959"/>
+              </a:solidFill>
+              <a:latin typeface="微软雅黑" panose="020B0503020204020204" charset="-122"/>
+              <a:ea typeface="微软雅黑" panose="020B0503020204020204" charset="-122"/>
+              <a:cs typeface="+mn-cs"/>
+            </a:endParaRPr>
+          </a:p>
+          <a:p>
+            <a:pPr algn="just" defTabSz="685800">
+              <a:lnSpc>
+                <a:spcPct val="150000"/>
+              </a:lnSpc>
+            </a:pPr>
+            <a:r>
+              <a:rPr lang="zh-CN" altLang="en-US" kern="1200" baseline="0" dirty="0">
+                <a:solidFill>
+                  <a:srgbClr val="595959"/>
+                </a:solidFill>
+                <a:latin typeface="微软雅黑" panose="020B0503020204020204" charset="-122"/>
+                <a:ea typeface="微软雅黑" panose="020B0503020204020204" charset="-122"/>
+                <a:cs typeface="+mn-cs"/>
+              </a:rPr>
+              <a:t>     </a:t>
+            </a:r>
+            <a:r>
+              <a:rPr lang="zh-CN" altLang="en-US" kern="1200" baseline="0" dirty="0">
+                <a:solidFill>
+                  <a:srgbClr val="595959"/>
+                </a:solidFill>
+                <a:latin typeface="微软雅黑" panose="020B0503020204020204" charset="-122"/>
+                <a:ea typeface="微软雅黑" panose="020B0503020204020204" charset="-122"/>
+                <a:cs typeface="+mn-cs"/>
+                <a:hlinkClick r:id="rId9" action="ppaction://hlinksldjump"/>
+              </a:rPr>
+              <a:t> </a:t>
             </a:r>
             <a:r>
               <a:rPr lang="en-US" altLang="zh-CN" kern="1200" baseline="0" dirty="0">
@@ -8077,9 +8149,83 @@
                 </a:solidFill>
                 <a:latin typeface="微软雅黑" panose="020B0503020204020204" charset="-122"/>
                 <a:ea typeface="微软雅黑" panose="020B0503020204020204" charset="-122"/>
+                <a:cs typeface="+mn-cs"/>
+                <a:hlinkClick r:id="rId9" action="ppaction://hlinksldjump"/>
+              </a:rPr>
+              <a:t>5</a:t>
+            </a:r>
+            <a:r>
+              <a:rPr lang="zh-CN" altLang="en-US" kern="1200" baseline="0" dirty="0">
+                <a:solidFill>
+                  <a:srgbClr val="595959"/>
+                </a:solidFill>
+                <a:latin typeface="微软雅黑" panose="020B0503020204020204" charset="-122"/>
+                <a:ea typeface="微软雅黑" panose="020B0503020204020204" charset="-122"/>
+                <a:cs typeface="+mn-cs"/>
+                <a:hlinkClick r:id="rId9" action="ppaction://hlinksldjump"/>
+              </a:rPr>
+              <a:t>.</a:t>
+            </a:r>
+            <a:r>
+              <a:rPr lang="en-US" altLang="zh-CN" kern="1200" baseline="0" dirty="0">
+                <a:solidFill>
+                  <a:srgbClr val="595959"/>
+                </a:solidFill>
+                <a:latin typeface="微软雅黑" panose="020B0503020204020204" charset="-122"/>
+                <a:ea typeface="微软雅黑" panose="020B0503020204020204" charset="-122"/>
+                <a:cs typeface="+mn-cs"/>
+                <a:hlinkClick r:id="rId9" action="ppaction://hlinksldjump"/>
+              </a:rPr>
+              <a:t>2</a:t>
+            </a:r>
+            <a:r>
+              <a:rPr lang="zh-CN" altLang="en-US" kern="1200" baseline="0" dirty="0">
+                <a:solidFill>
+                  <a:srgbClr val="595959"/>
+                </a:solidFill>
+                <a:latin typeface="微软雅黑" panose="020B0503020204020204" charset="-122"/>
+                <a:ea typeface="微软雅黑" panose="020B0503020204020204" charset="-122"/>
+                <a:cs typeface="+mn-cs"/>
+                <a:hlinkClick r:id="rId9" action="ppaction://hlinksldjump"/>
+              </a:rPr>
+              <a:t> 操作步骤  </a:t>
+            </a:r>
+            <a:r>
+              <a:rPr lang="en-US" altLang="zh-CN" kern="1200" baseline="0" dirty="0">
+                <a:solidFill>
+                  <a:srgbClr val="595959"/>
+                </a:solidFill>
+                <a:latin typeface="微软雅黑" panose="020B0503020204020204" charset="-122"/>
+                <a:ea typeface="+mn-ea"/>
                 <a:cs typeface="+mn-cs"/>
                 <a:sym typeface="宋体" panose="02010600030101010101" pitchFamily="2" charset="-122"/>
-                <a:hlinkClick r:id="rId10" action="ppaction://hlinksldjump"/>
+                <a:hlinkClick r:id="rId9" action="ppaction://hlinksldjump"/>
+              </a:rPr>
+              <a:t>....................................................... </a:t>
+            </a:r>
+            <a:r>
+              <a:rPr lang="zh-CN" altLang="en-US" kern="1200" baseline="0" dirty="0">
+                <a:solidFill>
+                  <a:srgbClr val="595959"/>
+                </a:solidFill>
+                <a:latin typeface="微软雅黑" panose="020B0503020204020204" charset="-122"/>
+                <a:ea typeface="微软雅黑" panose="020B0503020204020204" charset="-122"/>
+                <a:cs typeface="+mn-cs"/>
+                <a:sym typeface="宋体" panose="02010600030101010101" pitchFamily="2" charset="-122"/>
+                <a:hlinkClick r:id="rId9" action="ppaction://hlinksldjump"/>
+              </a:rPr>
+              <a:t>1</a:t>
+            </a:r>
+            <a:r>
+              <a:rPr lang="en-US" altLang="zh-CN" kern="1200" baseline="0" dirty="0">
+                <a:solidFill>
+                  <a:srgbClr val="595959"/>
+                </a:solidFill>
+                <a:latin typeface="微软雅黑" panose="020B0503020204020204" charset="-122"/>
+                <a:ea typeface="微软雅黑" panose="020B0503020204020204" charset="-122"/>
+                <a:cs typeface="+mn-cs"/>
+                <a:sym typeface="宋体" panose="02010600030101010101" pitchFamily="2" charset="-122"/>
+                <a:hlinkClick r:id="rId9" action="ppaction://hlinksldjump"/>
               </a:rPr>
               <a:t>2</a:t>
             </a:r>
@@ -8091,7 +8237,7 @@
               <a:ea typeface="微软雅黑" panose="020B0503020204020204" charset="-122"/>
               <a:cs typeface="+mn-cs"/>
               <a:sym typeface="宋体" panose="02010600030101010101" pitchFamily="2" charset="-122"/>
-              <a:hlinkClick r:id="rId10" action="ppaction://hlinksldjump"/>
+              <a:hlinkClick r:id="rId9" action="ppaction://hlinksldjump"/>
             </a:endParaRPr>
           </a:p>
           <a:p>
@@ -8119,7 +8265,7 @@
                 <a:latin typeface="微软雅黑" panose="020B0503020204020204" charset="-122"/>
                 <a:ea typeface="微软雅黑" panose="020B0503020204020204" charset="-122"/>
                 <a:cs typeface="+mn-cs"/>
-                <a:hlinkClick r:id="rId11" action="ppaction://hlinksldjump"/>
+                <a:hlinkClick r:id="rId10" action="ppaction://hlinksldjump"/>
               </a:rPr>
               <a:t>快速模式  </a:t>
             </a:r>
@@ -8132,7 +8278,7 @@
                 <a:ea typeface="+mn-ea"/>
                 <a:cs typeface="+mn-cs"/>
                 <a:sym typeface="宋体" panose="02010600030101010101" pitchFamily="2" charset="-122"/>
-                <a:hlinkClick r:id="rId11" action="ppaction://hlinksldjump"/>
+                <a:hlinkClick r:id="rId10" action="ppaction://hlinksldjump"/>
               </a:rPr>
               <a:t>............................................................... </a:t>
             </a:r>
@@ -8144,7 +8290,7 @@
                 <a:latin typeface="微软雅黑" panose="020B0503020204020204" charset="-122"/>
                 <a:ea typeface="微软雅黑" panose="020B0503020204020204" charset="-122"/>
                 <a:cs typeface="+mn-cs"/>
-                <a:hlinkClick r:id="rId11" action="ppaction://hlinksldjump"/>
+                <a:hlinkClick r:id="rId10" action="ppaction://hlinksldjump"/>
               </a:rPr>
               <a:t>1</a:t>
             </a:r>
@@ -8156,7 +8302,7 @@
                 <a:latin typeface="微软雅黑" panose="020B0503020204020204" charset="-122"/>
                 <a:ea typeface="微软雅黑" panose="020B0503020204020204" charset="-122"/>
                 <a:cs typeface="+mn-cs"/>
-                <a:hlinkClick r:id="rId11" action="ppaction://hlinksldjump"/>
+                <a:hlinkClick r:id="rId10" action="ppaction://hlinksldjump"/>
               </a:rPr>
               <a:t>5</a:t>
             </a:r>
@@ -8235,22 +8381,6 @@
                 <a:ea typeface="宋体" panose="02010600030101010101" pitchFamily="2" charset="-122"/>
                 <a:cs typeface="+mn-cs"/>
               </a:rPr>
-              <a:pPr marL="0" marR="0" lvl="0" indent="0" algn="ctr" defTabSz="914400" rtl="0" eaLnBrk="1" fontAlgn="base" latinLnBrk="0" hangingPunct="1">
-                <a:lnSpc>
-                  <a:spcPct val="100000"/>
-                </a:lnSpc>
-                <a:spcBef>
-                  <a:spcPct val="0"/>
-                </a:spcBef>
-                <a:spcAft>
-                  <a:spcPct val="0"/>
-                </a:spcAft>
-                <a:buClrTx/>
-                <a:buSzTx/>
-                <a:buFontTx/>
-                <a:buNone/>
-              </a:pPr>
-              <a:t>3</a:t>
             </a:fld>
             <a:endParaRPr kumimoji="0" lang="zh-CN" altLang="en-US" sz="1050" b="0" i="0" u="none" strike="noStrike" kern="1200" cap="none" spc="0" normalizeH="0" baseline="0" noProof="1">
               <a:solidFill>
@@ -8298,6 +8428,13 @@
               </a:rPr>
               <a:t>1、S系列源表简介</a:t>
             </a:r>
+            <a:endParaRPr lang="zh-CN" altLang="en-US" sz="1600" b="1">
+              <a:solidFill>
+                <a:srgbClr val="1B3B7C"/>
+              </a:solidFill>
+              <a:latin typeface="微软雅黑" panose="020B0503020204020204" charset="-122"/>
+              <a:ea typeface="微软雅黑" panose="020B0503020204020204" charset="-122"/>
+            </a:endParaRPr>
           </a:p>
         </p:txBody>
       </p:sp>
@@ -8336,6 +8473,13 @@
               </a:rPr>
               <a:t>1.1 S系列源表按键操作说明</a:t>
             </a:r>
+            <a:endParaRPr lang="zh-CN" altLang="en-US" sz="1400" b="1">
+              <a:solidFill>
+                <a:srgbClr val="1B3B7C"/>
+              </a:solidFill>
+              <a:latin typeface="微软雅黑" panose="020B0503020204020204" charset="-122"/>
+              <a:ea typeface="微软雅黑" panose="020B0503020204020204" charset="-122"/>
+            </a:endParaRPr>
           </a:p>
         </p:txBody>
       </p:sp>
@@ -8348,7 +8492,7 @@
           <p:nvPr/>
         </p:nvPicPr>
         <p:blipFill>
-          <a:blip r:embed="rId2" cstate="print"/>
+          <a:blip r:embed="rId1" cstate="print"/>
           <a:stretch>
             <a:fillRect/>
           </a:stretch>
@@ -8407,6 +8551,10 @@
               </a:rPr>
               <a:t>如图1.1所示，界面操作说明如下：</a:t>
             </a:r>
+            <a:endParaRPr lang="zh-CN" altLang="en-US" sz="1200">
+              <a:latin typeface="微软雅黑" panose="020B0503020204020204" charset="-122"/>
+              <a:ea typeface="微软雅黑" panose="020B0503020204020204" charset="-122"/>
+            </a:endParaRPr>
           </a:p>
           <a:p>
             <a:pPr>
@@ -8431,6 +8579,10 @@
               </a:rPr>
               <a:t>:电源开关按键；</a:t>
             </a:r>
+            <a:endParaRPr lang="zh-CN" altLang="en-US" sz="1200">
+              <a:latin typeface="微软雅黑" panose="020B0503020204020204" charset="-122"/>
+              <a:ea typeface="微软雅黑" panose="020B0503020204020204" charset="-122"/>
+            </a:endParaRPr>
           </a:p>
           <a:p>
             <a:pPr>
@@ -8455,6 +8607,10 @@
               </a:rPr>
               <a:t>：版本升级及数据导出接口；</a:t>
             </a:r>
+            <a:endParaRPr lang="zh-CN" altLang="en-US" sz="1200">
+              <a:latin typeface="微软雅黑" panose="020B0503020204020204" charset="-122"/>
+              <a:ea typeface="微软雅黑" panose="020B0503020204020204" charset="-122"/>
+            </a:endParaRPr>
           </a:p>
           <a:p>
             <a:pPr>
@@ -8479,6 +8635,10 @@
               </a:rPr>
               <a:t>:页面返回键；</a:t>
             </a:r>
+            <a:endParaRPr lang="zh-CN" altLang="en-US" sz="1200">
+              <a:latin typeface="微软雅黑" panose="020B0503020204020204" charset="-122"/>
+              <a:ea typeface="微软雅黑" panose="020B0503020204020204" charset="-122"/>
+            </a:endParaRPr>
           </a:p>
           <a:p>
             <a:pPr>
@@ -8503,6 +8663,10 @@
               </a:rPr>
               <a:t>信号输出开/关，当OUTPUT为绿色是表示正在输出，否则停止输出；</a:t>
             </a:r>
+            <a:endParaRPr lang="zh-CN" altLang="en-US" sz="1200">
+              <a:latin typeface="微软雅黑" panose="020B0503020204020204" charset="-122"/>
+              <a:ea typeface="微软雅黑" panose="020B0503020204020204" charset="-122"/>
+            </a:endParaRPr>
           </a:p>
           <a:p>
             <a:pPr>
@@ -8537,6 +8701,13 @@
               </a:rPr>
               <a:t>注意：四线模式时需确保对应的连接线已接好，否则会有安全风险；</a:t>
             </a:r>
+            <a:endParaRPr lang="zh-CN" altLang="en-US" sz="1200" b="1">
+              <a:solidFill>
+                <a:srgbClr val="C00000"/>
+              </a:solidFill>
+              <a:latin typeface="微软雅黑" panose="020B0503020204020204" charset="-122"/>
+              <a:ea typeface="微软雅黑" panose="020B0503020204020204" charset="-122"/>
+            </a:endParaRPr>
           </a:p>
           <a:p>
             <a:pPr>
@@ -8561,6 +8732,10 @@
               </a:rPr>
               <a:t>量程、数值设定；</a:t>
             </a:r>
+            <a:endParaRPr lang="zh-CN" altLang="en-US" sz="1200">
+              <a:latin typeface="微软雅黑" panose="020B0503020204020204" charset="-122"/>
+              <a:ea typeface="微软雅黑" panose="020B0503020204020204" charset="-122"/>
+            </a:endParaRPr>
           </a:p>
         </p:txBody>
       </p:sp>
@@ -8611,6 +8786,10 @@
               </a:rPr>
               <a:t>源表按键及显示界面</a:t>
             </a:r>
+            <a:endParaRPr lang="zh-CN" altLang="en-US" sz="1200">
+              <a:latin typeface="微软雅黑" panose="020B0503020204020204" charset="-122"/>
+              <a:ea typeface="微软雅黑" panose="020B0503020204020204" charset="-122"/>
+            </a:endParaRPr>
           </a:p>
         </p:txBody>
       </p:sp>
@@ -8623,7 +8802,7 @@
           <p:nvPr/>
         </p:nvPicPr>
         <p:blipFill>
-          <a:blip r:embed="rId3"/>
+          <a:blip r:embed="rId2"/>
           <a:stretch>
             <a:fillRect/>
           </a:stretch>
@@ -8706,22 +8885,6 @@
                 <a:ea typeface="宋体" panose="02010600030101010101" pitchFamily="2" charset="-122"/>
                 <a:cs typeface="+mn-cs"/>
               </a:rPr>
-              <a:pPr marL="0" marR="0" lvl="0" indent="0" algn="ctr" defTabSz="914400" rtl="0" eaLnBrk="1" fontAlgn="base" latinLnBrk="0" hangingPunct="1">
-                <a:lnSpc>
-                  <a:spcPct val="100000"/>
-                </a:lnSpc>
-                <a:spcBef>
-                  <a:spcPct val="0"/>
-                </a:spcBef>
-                <a:spcAft>
-                  <a:spcPct val="0"/>
-                </a:spcAft>
-                <a:buClrTx/>
-                <a:buSzTx/>
-                <a:buFontTx/>
-                <a:buNone/>
-              </a:pPr>
-              <a:t>4</a:t>
             </a:fld>
             <a:endParaRPr kumimoji="0" lang="zh-CN" altLang="en-US" sz="1050" b="0" i="0" u="none" strike="noStrike" kern="1200" cap="none" spc="0" normalizeH="0" baseline="0" noProof="1">
               <a:solidFill>
@@ -8772,6 +8935,13 @@
               </a:rPr>
               <a:t>1.2 主界面功能介绍</a:t>
             </a:r>
+            <a:endParaRPr lang="zh-CN" altLang="en-US" sz="1400" b="1">
+              <a:solidFill>
+                <a:srgbClr val="1B3B7C"/>
+              </a:solidFill>
+              <a:latin typeface="微软雅黑" panose="020B0503020204020204" charset="-122"/>
+              <a:ea typeface="微软雅黑" panose="020B0503020204020204" charset="-122"/>
+            </a:endParaRPr>
           </a:p>
         </p:txBody>
       </p:sp>
@@ -8784,7 +8954,7 @@
         <p:spPr>
           <a:xfrm>
             <a:off x="839788" y="4445000"/>
-            <a:ext cx="5699125" cy="3243263"/>
+            <a:ext cx="5699125" cy="2888615"/>
           </a:xfrm>
           <a:prstGeom prst="rect">
             <a:avLst/>
@@ -8817,6 +8987,11 @@
               </a:rPr>
               <a:t>如图1.2所示，源表按下电源开关后显示为当前主界面。源表主界面为可触屏操作，点击对应功能模块进入操作页面，各模块功能简介如下：</a:t>
             </a:r>
+            <a:endParaRPr lang="zh-CN" altLang="en-US" sz="1200">
+              <a:latin typeface="微软雅黑" panose="020B0503020204020204" charset="-122"/>
+              <a:ea typeface="微软雅黑" panose="020B0503020204020204" charset="-122"/>
+              <a:sym typeface="宋体" panose="02010600030101010101" pitchFamily="2" charset="-122"/>
+            </a:endParaRPr>
           </a:p>
           <a:p>
             <a:pPr>
@@ -8844,6 +9019,11 @@
               </a:rPr>
               <a:t>设置源表模式为源模式（电压源、电流源）或测量模式（测量电压、电流）；</a:t>
             </a:r>
+            <a:endParaRPr lang="zh-CN" altLang="en-US" sz="1200">
+              <a:latin typeface="微软雅黑" panose="020B0503020204020204" charset="-122"/>
+              <a:ea typeface="微软雅黑" panose="020B0503020204020204" charset="-122"/>
+              <a:sym typeface="宋体" panose="02010600030101010101" pitchFamily="2" charset="-122"/>
+            </a:endParaRPr>
           </a:p>
           <a:p>
             <a:pPr>
@@ -8871,6 +9051,11 @@
               </a:rPr>
               <a:t>包括网络IP和系统升级以及输出模式等各项设置；</a:t>
             </a:r>
+            <a:endParaRPr lang="zh-CN" altLang="en-US" sz="1200">
+              <a:latin typeface="微软雅黑" panose="020B0503020204020204" charset="-122"/>
+              <a:ea typeface="微软雅黑" panose="020B0503020204020204" charset="-122"/>
+              <a:sym typeface="宋体" panose="02010600030101010101" pitchFamily="2" charset="-122"/>
+            </a:endParaRPr>
           </a:p>
           <a:p>
             <a:pPr>
@@ -8898,6 +9083,11 @@
               </a:rPr>
               <a:t>显示当前Qt、模拟板、前面板版本信息；</a:t>
             </a:r>
+            <a:endParaRPr lang="zh-CN" altLang="en-US" sz="1200">
+              <a:latin typeface="微软雅黑" panose="020B0503020204020204" charset="-122"/>
+              <a:ea typeface="微软雅黑" panose="020B0503020204020204" charset="-122"/>
+              <a:sym typeface="宋体" panose="02010600030101010101" pitchFamily="2" charset="-122"/>
+            </a:endParaRPr>
           </a:p>
           <a:p>
             <a:pPr>
@@ -8925,6 +9115,11 @@
               </a:rPr>
               <a:t>测量待测器件的V/I变化曲线；</a:t>
             </a:r>
+            <a:endParaRPr lang="zh-CN" altLang="en-US" sz="1200">
+              <a:latin typeface="微软雅黑" panose="020B0503020204020204" charset="-122"/>
+              <a:ea typeface="微软雅黑" panose="020B0503020204020204" charset="-122"/>
+              <a:sym typeface="宋体" panose="02010600030101010101" pitchFamily="2" charset="-122"/>
+            </a:endParaRPr>
           </a:p>
           <a:p>
             <a:pPr>
@@ -8952,33 +9147,11 @@
               </a:rPr>
               <a:t>选择了电压源或电流源模式后的源量程值和限量程值默认范围更适合；</a:t>
             </a:r>
-          </a:p>
-          <a:p>
-            <a:pPr>
-              <a:lnSpc>
-                <a:spcPct val="150000"/>
-              </a:lnSpc>
-              <a:spcAft>
-                <a:spcPts val="600"/>
-              </a:spcAft>
-              <a:buSzTx/>
-            </a:pPr>
-            <a:r>
-              <a:rPr lang="zh-CN" altLang="en-US" sz="1200" b="1">
-                <a:latin typeface="微软雅黑" panose="020B0503020204020204" charset="-122"/>
-                <a:ea typeface="微软雅黑" panose="020B0503020204020204" charset="-122"/>
-                <a:sym typeface="宋体" panose="02010600030101010101" pitchFamily="2" charset="-122"/>
-              </a:rPr>
-              <a:t>校准：</a:t>
-            </a:r>
-            <a:r>
-              <a:rPr lang="zh-CN" altLang="en-US" sz="1200">
-                <a:latin typeface="微软雅黑" panose="020B0503020204020204" charset="-122"/>
-                <a:ea typeface="微软雅黑" panose="020B0503020204020204" charset="-122"/>
-                <a:sym typeface="宋体" panose="02010600030101010101" pitchFamily="2" charset="-122"/>
-              </a:rPr>
-              <a:t>对机器精度进行校准（暂未对用户开放）；</a:t>
-            </a:r>
+            <a:endParaRPr lang="zh-CN" altLang="en-US" sz="1200">
+              <a:latin typeface="微软雅黑" panose="020B0503020204020204" charset="-122"/>
+              <a:ea typeface="微软雅黑" panose="020B0503020204020204" charset="-122"/>
+              <a:sym typeface="宋体" panose="02010600030101010101" pitchFamily="2" charset="-122"/>
+            </a:endParaRPr>
           </a:p>
         </p:txBody>
       </p:sp>
@@ -9029,6 +9202,10 @@
               </a:rPr>
               <a:t>初始化主界面</a:t>
             </a:r>
+            <a:endParaRPr lang="zh-CN" altLang="en-US" sz="1200">
+              <a:latin typeface="微软雅黑" panose="020B0503020204020204" charset="-122"/>
+              <a:ea typeface="微软雅黑" panose="020B0503020204020204" charset="-122"/>
+            </a:endParaRPr>
           </a:p>
         </p:txBody>
       </p:sp>
@@ -9041,7 +9218,7 @@
           <p:nvPr/>
         </p:nvPicPr>
         <p:blipFill>
-          <a:blip r:embed="rId2"/>
+          <a:blip r:embed="rId1"/>
           <a:stretch>
             <a:fillRect/>
           </a:stretch>
@@ -9094,7 +9271,7 @@
           <p:nvPr/>
         </p:nvPicPr>
         <p:blipFill>
-          <a:blip r:embed="rId2"/>
+          <a:blip r:embed="rId1"/>
           <a:stretch>
             <a:fillRect/>
           </a:stretch>
@@ -9152,22 +9329,6 @@
                 <a:ea typeface="宋体" panose="02010600030101010101" pitchFamily="2" charset="-122"/>
                 <a:cs typeface="+mn-cs"/>
               </a:rPr>
-              <a:pPr marL="0" marR="0" lvl="0" indent="0" algn="ctr" defTabSz="914400" rtl="0" eaLnBrk="1" fontAlgn="base" latinLnBrk="0" hangingPunct="1">
-                <a:lnSpc>
-                  <a:spcPct val="100000"/>
-                </a:lnSpc>
-                <a:spcBef>
-                  <a:spcPct val="0"/>
-                </a:spcBef>
-                <a:spcAft>
-                  <a:spcPct val="0"/>
-                </a:spcAft>
-                <a:buClrTx/>
-                <a:buSzTx/>
-                <a:buFontTx/>
-                <a:buNone/>
-              </a:pPr>
-              <a:t>5</a:t>
             </a:fld>
             <a:endParaRPr kumimoji="0" lang="zh-CN" altLang="en-US" sz="1050" b="0" i="0" u="none" strike="noStrike" kern="1200" cap="none" spc="0" normalizeH="0" baseline="0" noProof="1">
               <a:solidFill>
@@ -9215,6 +9376,13 @@
               </a:rPr>
               <a:t>2、测量</a:t>
             </a:r>
+            <a:endParaRPr lang="zh-CN" altLang="en-US" sz="1600" b="1">
+              <a:solidFill>
+                <a:srgbClr val="1B3B7C"/>
+              </a:solidFill>
+              <a:latin typeface="微软雅黑" panose="020B0503020204020204" charset="-122"/>
+              <a:ea typeface="微软雅黑" panose="020B0503020204020204" charset="-122"/>
+            </a:endParaRPr>
           </a:p>
         </p:txBody>
       </p:sp>
@@ -9256,6 +9424,13 @@
               </a:rPr>
               <a:t>2.1 测量界面简介</a:t>
             </a:r>
+            <a:endParaRPr lang="zh-CN" altLang="en-US" sz="1400" b="1">
+              <a:solidFill>
+                <a:srgbClr val="1B3B7C"/>
+              </a:solidFill>
+              <a:latin typeface="微软雅黑" panose="020B0503020204020204" charset="-122"/>
+              <a:ea typeface="微软雅黑" panose="020B0503020204020204" charset="-122"/>
+            </a:endParaRPr>
           </a:p>
         </p:txBody>
       </p:sp>
@@ -9301,6 +9476,11 @@
               </a:rPr>
               <a:t>如图2.1所示，该界面主要分为4个区域，其中白色显示字体为不可修改部分，淡蓝色为可修改部分。具体区域说明如下：</a:t>
             </a:r>
+            <a:endParaRPr lang="zh-CN" altLang="en-US" sz="1200">
+              <a:latin typeface="微软雅黑" panose="020B0503020204020204" charset="-122"/>
+              <a:ea typeface="微软雅黑" panose="020B0503020204020204" charset="-122"/>
+              <a:sym typeface="宋体" panose="02010600030101010101" pitchFamily="2" charset="-122"/>
+            </a:endParaRPr>
           </a:p>
           <a:p>
             <a:pPr>
@@ -9392,6 +9572,11 @@
               </a:rPr>
               <a:t>；</a:t>
             </a:r>
+            <a:endParaRPr lang="zh-CN" altLang="en-US" sz="1200">
+              <a:latin typeface="微软雅黑" panose="020B0503020204020204" charset="-122"/>
+              <a:ea typeface="微软雅黑" panose="020B0503020204020204" charset="-122"/>
+              <a:sym typeface="宋体" panose="02010600030101010101" pitchFamily="2" charset="-122"/>
+            </a:endParaRPr>
           </a:p>
           <a:p>
             <a:pPr>
@@ -9411,6 +9596,11 @@
               </a:rPr>
               <a:t>区域2：用于设置源量程，其中量程会自动关联区域3中的小数点位置和精度；</a:t>
             </a:r>
+            <a:endParaRPr lang="zh-CN" altLang="en-US" sz="1200">
+              <a:latin typeface="微软雅黑" panose="020B0503020204020204" charset="-122"/>
+              <a:ea typeface="微软雅黑" panose="020B0503020204020204" charset="-122"/>
+              <a:sym typeface="宋体" panose="02010600030101010101" pitchFamily="2" charset="-122"/>
+            </a:endParaRPr>
           </a:p>
           <a:p>
             <a:pPr>
@@ -9430,6 +9620,11 @@
               </a:rPr>
               <a:t>区域3：设置电压、电流值，并回显实际输出电压、电流值，上面一行表示源值，下面一行表示限值；</a:t>
             </a:r>
+            <a:endParaRPr lang="zh-CN" altLang="en-US" sz="1200">
+              <a:latin typeface="微软雅黑" panose="020B0503020204020204" charset="-122"/>
+              <a:ea typeface="微软雅黑" panose="020B0503020204020204" charset="-122"/>
+              <a:sym typeface="宋体" panose="02010600030101010101" pitchFamily="2" charset="-122"/>
+            </a:endParaRPr>
           </a:p>
           <a:p>
             <a:pPr>
@@ -9449,6 +9644,11 @@
               </a:rPr>
               <a:t>区域 4：设置源值和限值的大小；</a:t>
             </a:r>
+            <a:endParaRPr lang="zh-CN" altLang="en-US" sz="1200">
+              <a:latin typeface="微软雅黑" panose="020B0503020204020204" charset="-122"/>
+              <a:ea typeface="微软雅黑" panose="020B0503020204020204" charset="-122"/>
+              <a:sym typeface="宋体" panose="02010600030101010101" pitchFamily="2" charset="-122"/>
+            </a:endParaRPr>
           </a:p>
         </p:txBody>
       </p:sp>
@@ -9496,6 +9696,11 @@
               </a:rPr>
               <a:t>注意：</a:t>
             </a:r>
+            <a:endParaRPr lang="zh-CN" altLang="en-US" sz="1200">
+              <a:latin typeface="微软雅黑" panose="020B0503020204020204" charset="-122"/>
+              <a:ea typeface="微软雅黑" panose="020B0503020204020204" charset="-122"/>
+              <a:sym typeface="宋体" panose="02010600030101010101" pitchFamily="2" charset="-122"/>
+            </a:endParaRPr>
           </a:p>
           <a:p>
             <a:pPr>
@@ -9515,6 +9720,11 @@
               </a:rPr>
               <a:t>1.插拔线时务必确保机器处于输出关闭态.高于36V输出时,即使设备处于输出关闭态,也请不要用手触摸输出接口.</a:t>
             </a:r>
+            <a:endParaRPr lang="zh-CN" altLang="en-US" sz="1200">
+              <a:latin typeface="微软雅黑" panose="020B0503020204020204" charset="-122"/>
+              <a:ea typeface="微软雅黑" panose="020B0503020204020204" charset="-122"/>
+              <a:sym typeface="宋体" panose="02010600030101010101" pitchFamily="2" charset="-122"/>
+            </a:endParaRPr>
           </a:p>
           <a:p>
             <a:pPr>
@@ -9534,6 +9744,11 @@
               </a:rPr>
               <a:t>2.设置四线测试前,请先将四线电缆连接好并插入机器相对应的测试孔,然后在触摸面板选择四线,再启动输出.</a:t>
             </a:r>
+            <a:endParaRPr lang="zh-CN" altLang="en-US" sz="1200">
+              <a:latin typeface="微软雅黑" panose="020B0503020204020204" charset="-122"/>
+              <a:ea typeface="微软雅黑" panose="020B0503020204020204" charset="-122"/>
+              <a:sym typeface="宋体" panose="02010600030101010101" pitchFamily="2" charset="-122"/>
+            </a:endParaRPr>
           </a:p>
           <a:p>
             <a:pPr>
@@ -9553,6 +9768,11 @@
               </a:rPr>
               <a:t>3.四线测试使用完毕后请先将四线测试设置为二线测试,然后关闭输出,再拔出测试线.</a:t>
             </a:r>
+            <a:endParaRPr lang="zh-CN" altLang="en-US" sz="1200">
+              <a:latin typeface="微软雅黑" panose="020B0503020204020204" charset="-122"/>
+              <a:ea typeface="微软雅黑" panose="020B0503020204020204" charset="-122"/>
+              <a:sym typeface="宋体" panose="02010600030101010101" pitchFamily="2" charset="-122"/>
+            </a:endParaRPr>
           </a:p>
         </p:txBody>
       </p:sp>
@@ -9770,6 +9990,7 @@
                 <a:rPr lang="en-US" altLang="zh-CN" strike="noStrike" noProof="1"/>
                 <a:t>1</a:t>
               </a:r>
+              <a:endParaRPr lang="en-US" altLang="zh-CN" strike="noStrike" noProof="1"/>
             </a:p>
           </p:txBody>
         </p:sp>
@@ -9819,6 +10040,7 @@
                 <a:rPr lang="en-US" altLang="zh-CN" strike="noStrike" noProof="1"/>
                 <a:t>3</a:t>
               </a:r>
+              <a:endParaRPr lang="en-US" altLang="zh-CN" strike="noStrike" noProof="1"/>
             </a:p>
           </p:txBody>
         </p:sp>
@@ -9918,6 +10140,7 @@
                 <a:rPr lang="en-US" altLang="zh-CN" strike="noStrike" noProof="1"/>
                 <a:t>4</a:t>
               </a:r>
+              <a:endParaRPr lang="en-US" altLang="zh-CN" strike="noStrike" noProof="1"/>
             </a:p>
           </p:txBody>
         </p:sp>
@@ -9967,6 +10190,7 @@
                 <a:rPr lang="en-US" altLang="zh-CN" strike="noStrike" noProof="1"/>
                 <a:t>2</a:t>
               </a:r>
+              <a:endParaRPr lang="en-US" altLang="zh-CN" strike="noStrike" noProof="1"/>
             </a:p>
           </p:txBody>
         </p:sp>
@@ -10018,6 +10242,10 @@
               </a:rPr>
               <a:t>测量界面</a:t>
             </a:r>
+            <a:endParaRPr lang="zh-CN" altLang="en-US" sz="1200">
+              <a:latin typeface="微软雅黑" panose="020B0503020204020204" charset="-122"/>
+              <a:ea typeface="微软雅黑" panose="020B0503020204020204" charset="-122"/>
+            </a:endParaRPr>
           </a:p>
         </p:txBody>
       </p:sp>
@@ -10055,7 +10283,7 @@
           <p:nvPr/>
         </p:nvPicPr>
         <p:blipFill>
-          <a:blip r:embed="rId2"/>
+          <a:blip r:embed="rId1"/>
           <a:stretch>
             <a:fillRect/>
           </a:stretch>
@@ -10083,7 +10311,7 @@
           <p:nvPr/>
         </p:nvPicPr>
         <p:blipFill>
-          <a:blip r:embed="rId2"/>
+          <a:blip r:embed="rId1"/>
           <a:stretch>
             <a:fillRect/>
           </a:stretch>
@@ -10141,22 +10369,6 @@
                 <a:ea typeface="宋体" panose="02010600030101010101" pitchFamily="2" charset="-122"/>
                 <a:cs typeface="+mn-cs"/>
               </a:rPr>
-              <a:pPr marL="0" marR="0" lvl="0" indent="0" algn="ctr" defTabSz="914400" rtl="0" eaLnBrk="1" fontAlgn="base" latinLnBrk="0" hangingPunct="1">
-                <a:lnSpc>
-                  <a:spcPct val="100000"/>
-                </a:lnSpc>
-                <a:spcBef>
-                  <a:spcPct val="0"/>
-                </a:spcBef>
-                <a:spcAft>
-                  <a:spcPct val="0"/>
-                </a:spcAft>
-                <a:buClrTx/>
-                <a:buSzTx/>
-                <a:buFontTx/>
-                <a:buNone/>
-              </a:pPr>
-              <a:t>6</a:t>
             </a:fld>
             <a:endParaRPr kumimoji="0" lang="zh-CN" altLang="en-US" sz="1050" b="0" i="0" u="none" strike="noStrike" kern="1200" cap="none" spc="0" normalizeH="0" baseline="0" noProof="1">
               <a:solidFill>
@@ -10211,6 +10423,11 @@
               </a:rPr>
               <a:t>a.选中数字（数字将高亮）后，旋动旋钮调整值的大小；</a:t>
             </a:r>
+            <a:endParaRPr lang="zh-CN" altLang="en-US" sz="1200">
+              <a:latin typeface="微软雅黑" panose="020B0503020204020204" charset="-122"/>
+              <a:ea typeface="微软雅黑" panose="020B0503020204020204" charset="-122"/>
+              <a:sym typeface="宋体" panose="02010600030101010101" pitchFamily="2" charset="-122"/>
+            </a:endParaRPr>
           </a:p>
           <a:p>
             <a:pPr>
@@ -10230,6 +10447,11 @@
               </a:rPr>
               <a:t>b.图中蓝色标识为可点击修改字符；</a:t>
             </a:r>
+            <a:endParaRPr lang="zh-CN" altLang="en-US" sz="1200">
+              <a:latin typeface="微软雅黑" panose="020B0503020204020204" charset="-122"/>
+              <a:ea typeface="微软雅黑" panose="020B0503020204020204" charset="-122"/>
+              <a:sym typeface="宋体" panose="02010600030101010101" pitchFamily="2" charset="-122"/>
+            </a:endParaRPr>
           </a:p>
           <a:p>
             <a:pPr>
@@ -10249,6 +10471,11 @@
               </a:rPr>
               <a:t>c.通过单击+-符号可设置源方向，相关符号将自动匹配；</a:t>
             </a:r>
+            <a:endParaRPr lang="zh-CN" altLang="en-US" sz="1200">
+              <a:latin typeface="微软雅黑" panose="020B0503020204020204" charset="-122"/>
+              <a:ea typeface="微软雅黑" panose="020B0503020204020204" charset="-122"/>
+              <a:sym typeface="宋体" panose="02010600030101010101" pitchFamily="2" charset="-122"/>
+            </a:endParaRPr>
           </a:p>
           <a:p>
             <a:pPr>
@@ -10268,6 +10495,11 @@
               </a:rPr>
               <a:t>d.改变源类型后，量程和区域1的精度将自动做相应变化；</a:t>
             </a:r>
+            <a:endParaRPr lang="zh-CN" altLang="en-US" sz="1200">
+              <a:latin typeface="微软雅黑" panose="020B0503020204020204" charset="-122"/>
+              <a:ea typeface="微软雅黑" panose="020B0503020204020204" charset="-122"/>
+              <a:sym typeface="宋体" panose="02010600030101010101" pitchFamily="2" charset="-122"/>
+            </a:endParaRPr>
           </a:p>
           <a:p>
             <a:pPr>
@@ -10287,6 +10519,11 @@
               </a:rPr>
               <a:t>e.启动输出后，区域4显示设置负载值，区域3实时显示输出电压电流。</a:t>
             </a:r>
+            <a:endParaRPr lang="zh-CN" altLang="en-US" sz="1200">
+              <a:latin typeface="微软雅黑" panose="020B0503020204020204" charset="-122"/>
+              <a:ea typeface="微软雅黑" panose="020B0503020204020204" charset="-122"/>
+              <a:sym typeface="宋体" panose="02010600030101010101" pitchFamily="2" charset="-122"/>
+            </a:endParaRPr>
           </a:p>
         </p:txBody>
       </p:sp>
@@ -10328,6 +10565,13 @@
               </a:rPr>
               <a:t>2.3 操作步骤</a:t>
             </a:r>
+            <a:endParaRPr lang="zh-CN" altLang="en-US" sz="1400" b="1">
+              <a:solidFill>
+                <a:srgbClr val="1B3B7C"/>
+              </a:solidFill>
+              <a:latin typeface="微软雅黑" panose="020B0503020204020204" charset="-122"/>
+              <a:ea typeface="微软雅黑" panose="020B0503020204020204" charset="-122"/>
+            </a:endParaRPr>
           </a:p>
         </p:txBody>
       </p:sp>
@@ -10389,6 +10633,11 @@
               </a:rPr>
               <a:t>所示：</a:t>
             </a:r>
+            <a:endParaRPr lang="zh-CN" altLang="en-US" sz="1200">
+              <a:latin typeface="微软雅黑" panose="020B0503020204020204" charset="-122"/>
+              <a:ea typeface="微软雅黑" panose="020B0503020204020204" charset="-122"/>
+              <a:sym typeface="宋体" panose="02010600030101010101" pitchFamily="2" charset="-122"/>
+            </a:endParaRPr>
           </a:p>
         </p:txBody>
       </p:sp>
@@ -10450,6 +10699,11 @@
               </a:rPr>
               <a:t>所示：</a:t>
             </a:r>
+            <a:endParaRPr lang="zh-CN" altLang="en-US" sz="1200">
+              <a:latin typeface="微软雅黑" panose="020B0503020204020204" charset="-122"/>
+              <a:ea typeface="微软雅黑" panose="020B0503020204020204" charset="-122"/>
+              <a:sym typeface="宋体" panose="02010600030101010101" pitchFamily="2" charset="-122"/>
+            </a:endParaRPr>
           </a:p>
         </p:txBody>
       </p:sp>
@@ -10604,6 +10858,10 @@
               </a:rPr>
               <a:t>源模式设置界面</a:t>
             </a:r>
+            <a:endParaRPr lang="zh-CN" altLang="en-US" sz="1200">
+              <a:latin typeface="微软雅黑" panose="020B0503020204020204" charset="-122"/>
+              <a:ea typeface="微软雅黑" panose="020B0503020204020204" charset="-122"/>
+            </a:endParaRPr>
           </a:p>
         </p:txBody>
       </p:sp>
@@ -10654,6 +10912,10 @@
               </a:rPr>
               <a:t>量程大小设置界面</a:t>
             </a:r>
+            <a:endParaRPr lang="zh-CN" altLang="en-US" sz="1200">
+              <a:latin typeface="微软雅黑" panose="020B0503020204020204" charset="-122"/>
+              <a:ea typeface="微软雅黑" panose="020B0503020204020204" charset="-122"/>
+            </a:endParaRPr>
           </a:p>
         </p:txBody>
       </p:sp>
@@ -10695,6 +10957,13 @@
               </a:rPr>
               <a:t>2.2 功能介绍</a:t>
             </a:r>
+            <a:endParaRPr lang="zh-CN" altLang="en-US" sz="1400" b="1">
+              <a:solidFill>
+                <a:srgbClr val="1B3B7C"/>
+              </a:solidFill>
+              <a:latin typeface="微软雅黑" panose="020B0503020204020204" charset="-122"/>
+              <a:ea typeface="微软雅黑" panose="020B0503020204020204" charset="-122"/>
+            </a:endParaRPr>
           </a:p>
         </p:txBody>
       </p:sp>
@@ -10784,7 +11053,7 @@
           <p:nvPr/>
         </p:nvPicPr>
         <p:blipFill>
-          <a:blip r:embed="rId2"/>
+          <a:blip r:embed="rId1"/>
           <a:stretch>
             <a:fillRect/>
           </a:stretch>
@@ -10812,7 +11081,7 @@
           <p:nvPr/>
         </p:nvPicPr>
         <p:blipFill>
-          <a:blip r:embed="rId3"/>
+          <a:blip r:embed="rId2"/>
           <a:stretch>
             <a:fillRect/>
           </a:stretch>
@@ -10870,22 +11139,6 @@
                 <a:ea typeface="宋体" panose="02010600030101010101" pitchFamily="2" charset="-122"/>
                 <a:cs typeface="+mn-cs"/>
               </a:rPr>
-              <a:pPr marL="0" marR="0" lvl="0" indent="0" algn="ctr" defTabSz="914400" rtl="0" eaLnBrk="1" fontAlgn="base" latinLnBrk="0" hangingPunct="1">
-                <a:lnSpc>
-                  <a:spcPct val="100000"/>
-                </a:lnSpc>
-                <a:spcBef>
-                  <a:spcPct val="0"/>
-                </a:spcBef>
-                <a:spcAft>
-                  <a:spcPct val="0"/>
-                </a:spcAft>
-                <a:buClrTx/>
-                <a:buSzTx/>
-                <a:buFontTx/>
-                <a:buNone/>
-              </a:pPr>
-              <a:t>7</a:t>
             </a:fld>
             <a:endParaRPr kumimoji="0" lang="zh-CN" altLang="en-US" sz="1050" b="0" i="0" u="none" strike="noStrike" kern="1200" cap="none" spc="0" normalizeH="0" baseline="0" noProof="1">
               <a:solidFill>
@@ -10956,6 +11209,11 @@
               </a:rPr>
               <a:t>所示：</a:t>
             </a:r>
+            <a:endParaRPr lang="zh-CN" altLang="en-US" sz="1200">
+              <a:latin typeface="微软雅黑" panose="020B0503020204020204" charset="-122"/>
+              <a:ea typeface="微软雅黑" panose="020B0503020204020204" charset="-122"/>
+              <a:sym typeface="宋体" panose="02010600030101010101" pitchFamily="2" charset="-122"/>
+            </a:endParaRPr>
           </a:p>
         </p:txBody>
       </p:sp>
@@ -11069,6 +11327,11 @@
               </a:rPr>
               <a:t>所示：</a:t>
             </a:r>
+            <a:endParaRPr lang="zh-CN" altLang="en-US" sz="1200">
+              <a:latin typeface="微软雅黑" panose="020B0503020204020204" charset="-122"/>
+              <a:ea typeface="微软雅黑" panose="020B0503020204020204" charset="-122"/>
+              <a:sym typeface="宋体" panose="02010600030101010101" pitchFamily="2" charset="-122"/>
+            </a:endParaRPr>
           </a:p>
         </p:txBody>
       </p:sp>
@@ -11119,6 +11382,10 @@
               </a:rPr>
               <a:t>输出状态界面</a:t>
             </a:r>
+            <a:endParaRPr lang="zh-CN" altLang="en-US" sz="1200">
+              <a:latin typeface="微软雅黑" panose="020B0503020204020204" charset="-122"/>
+              <a:ea typeface="微软雅黑" panose="020B0503020204020204" charset="-122"/>
+            </a:endParaRPr>
           </a:p>
         </p:txBody>
       </p:sp>
@@ -11169,6 +11436,10 @@
               </a:rPr>
               <a:t>测量值设置界面</a:t>
             </a:r>
+            <a:endParaRPr lang="zh-CN" altLang="en-US" sz="1200">
+              <a:latin typeface="微软雅黑" panose="020B0503020204020204" charset="-122"/>
+              <a:ea typeface="微软雅黑" panose="020B0503020204020204" charset="-122"/>
+            </a:endParaRPr>
           </a:p>
         </p:txBody>
       </p:sp>
@@ -11258,7 +11529,7 @@
           <p:nvPr/>
         </p:nvPicPr>
         <p:blipFill>
-          <a:blip r:embed="rId2"/>
+          <a:blip r:embed="rId1"/>
           <a:stretch>
             <a:fillRect/>
           </a:stretch>
@@ -11316,22 +11587,6 @@
                 <a:ea typeface="宋体" panose="02010600030101010101" pitchFamily="2" charset="-122"/>
                 <a:cs typeface="+mn-cs"/>
               </a:rPr>
-              <a:pPr marL="0" marR="0" lvl="0" indent="0" algn="ctr" defTabSz="914400" rtl="0" eaLnBrk="1" fontAlgn="base" latinLnBrk="0" hangingPunct="1">
-                <a:lnSpc>
-                  <a:spcPct val="100000"/>
-                </a:lnSpc>
-                <a:spcBef>
-                  <a:spcPct val="0"/>
-                </a:spcBef>
-                <a:spcAft>
-                  <a:spcPct val="0"/>
-                </a:spcAft>
-                <a:buClrTx/>
-                <a:buSzTx/>
-                <a:buFontTx/>
-                <a:buNone/>
-              </a:pPr>
-              <a:t>8</a:t>
             </a:fld>
             <a:endParaRPr kumimoji="0" lang="zh-CN" altLang="en-US" sz="1050" b="0" i="0" u="none" strike="noStrike" kern="1200" cap="none" spc="0" normalizeH="0" baseline="0" noProof="1">
               <a:solidFill>
@@ -11457,6 +11712,11 @@
               </a:rPr>
               <a:t>.2所示</a:t>
             </a:r>
+            <a:endParaRPr lang="zh-CN" altLang="en-US" sz="1200">
+              <a:latin typeface="微软雅黑" panose="020B0503020204020204" charset="-122"/>
+              <a:ea typeface="微软雅黑" panose="020B0503020204020204" charset="-122"/>
+              <a:sym typeface="宋体" panose="02010600030101010101" pitchFamily="2" charset="-122"/>
+            </a:endParaRPr>
           </a:p>
         </p:txBody>
       </p:sp>
@@ -11507,6 +11767,10 @@
               </a:rPr>
               <a:t>设置主界面</a:t>
             </a:r>
+            <a:endParaRPr lang="zh-CN" altLang="en-US" sz="1200">
+              <a:latin typeface="微软雅黑" panose="020B0503020204020204" charset="-122"/>
+              <a:ea typeface="微软雅黑" panose="020B0503020204020204" charset="-122"/>
+            </a:endParaRPr>
           </a:p>
         </p:txBody>
       </p:sp>
@@ -11558,6 +11822,13 @@
               </a:rPr>
               <a:t>.1 设置主界面</a:t>
             </a:r>
+            <a:endParaRPr lang="zh-CN" altLang="en-US" sz="1400" b="1">
+              <a:solidFill>
+                <a:srgbClr val="1B3B7C"/>
+              </a:solidFill>
+              <a:latin typeface="微软雅黑" panose="020B0503020204020204" charset="-122"/>
+              <a:ea typeface="微软雅黑" panose="020B0503020204020204" charset="-122"/>
+            </a:endParaRPr>
           </a:p>
         </p:txBody>
       </p:sp>
@@ -11609,6 +11880,13 @@
               </a:rPr>
               <a:t>.2 IP地址设置</a:t>
             </a:r>
+            <a:endParaRPr lang="zh-CN" altLang="en-US" sz="1400" b="1">
+              <a:solidFill>
+                <a:srgbClr val="1B3B7C"/>
+              </a:solidFill>
+              <a:latin typeface="微软雅黑" panose="020B0503020204020204" charset="-122"/>
+              <a:ea typeface="微软雅黑" panose="020B0503020204020204" charset="-122"/>
+            </a:endParaRPr>
           </a:p>
         </p:txBody>
       </p:sp>
@@ -11659,6 +11937,10 @@
               </a:rPr>
               <a:t>设置界面</a:t>
             </a:r>
+            <a:endParaRPr lang="zh-CN" altLang="en-US" sz="1200">
+              <a:latin typeface="微软雅黑" panose="020B0503020204020204" charset="-122"/>
+              <a:ea typeface="微软雅黑" panose="020B0503020204020204" charset="-122"/>
+            </a:endParaRPr>
           </a:p>
         </p:txBody>
       </p:sp>
@@ -11671,7 +11953,7 @@
           <p:nvPr/>
         </p:nvPicPr>
         <p:blipFill>
-          <a:blip r:embed="rId3"/>
+          <a:blip r:embed="rId2"/>
           <a:stretch>
             <a:fillRect/>
           </a:stretch>
@@ -11724,7 +12006,7 @@
           <p:nvPr/>
         </p:nvPicPr>
         <p:blipFill>
-          <a:blip r:embed="rId2"/>
+          <a:blip r:embed="rId1"/>
           <a:stretch>
             <a:fillRect/>
           </a:stretch>
@@ -11748,7 +12030,7 @@
           <p:nvPr/>
         </p:nvPicPr>
         <p:blipFill>
-          <a:blip r:embed="rId3"/>
+          <a:blip r:embed="rId2"/>
           <a:stretch>
             <a:fillRect/>
           </a:stretch>
@@ -11802,22 +12084,6 @@
                 <a:ea typeface="宋体" panose="02010600030101010101" pitchFamily="2" charset="-122"/>
                 <a:cs typeface="+mn-cs"/>
               </a:rPr>
-              <a:pPr marL="0" marR="0" lvl="0" indent="0" algn="ctr" defTabSz="914400" rtl="0" eaLnBrk="1" fontAlgn="base" latinLnBrk="0" hangingPunct="1">
-                <a:lnSpc>
-                  <a:spcPct val="100000"/>
-                </a:lnSpc>
-                <a:spcBef>
-                  <a:spcPct val="0"/>
-                </a:spcBef>
-                <a:spcAft>
-                  <a:spcPct val="0"/>
-                </a:spcAft>
-                <a:buClrTx/>
-                <a:buSzTx/>
-                <a:buFontTx/>
-                <a:buNone/>
-              </a:pPr>
-              <a:t>9</a:t>
             </a:fld>
             <a:endParaRPr kumimoji="0" lang="zh-CN" altLang="en-US" sz="1050" b="0" i="0" u="none" strike="noStrike" kern="1200" cap="none" spc="0" normalizeH="0" baseline="0" noProof="1">
               <a:solidFill>
@@ -11888,6 +12154,11 @@
               </a:rPr>
               <a:t>.3所示：</a:t>
             </a:r>
+            <a:endParaRPr lang="zh-CN" altLang="en-US" sz="1200">
+              <a:latin typeface="微软雅黑" panose="020B0503020204020204" charset="-122"/>
+              <a:ea typeface="微软雅黑" panose="020B0503020204020204" charset="-122"/>
+              <a:sym typeface="宋体" panose="02010600030101010101" pitchFamily="2" charset="-122"/>
+            </a:endParaRPr>
           </a:p>
         </p:txBody>
       </p:sp>
@@ -11939,6 +12210,13 @@
               </a:rPr>
               <a:t>.3 版本升级</a:t>
             </a:r>
+            <a:endParaRPr lang="zh-CN" altLang="en-US" sz="1400" b="1">
+              <a:solidFill>
+                <a:srgbClr val="1B3B7C"/>
+              </a:solidFill>
+              <a:latin typeface="微软雅黑" panose="020B0503020204020204" charset="-122"/>
+              <a:ea typeface="微软雅黑" panose="020B0503020204020204" charset="-122"/>
+            </a:endParaRPr>
           </a:p>
         </p:txBody>
       </p:sp>
@@ -11989,6 +12267,10 @@
               </a:rPr>
               <a:t>版本升级界面</a:t>
             </a:r>
+            <a:endParaRPr lang="zh-CN" altLang="en-US" sz="1200">
+              <a:latin typeface="微软雅黑" panose="020B0503020204020204" charset="-122"/>
+              <a:ea typeface="微软雅黑" panose="020B0503020204020204" charset="-122"/>
+            </a:endParaRPr>
           </a:p>
         </p:txBody>
       </p:sp>
@@ -12066,6 +12348,11 @@
               </a:rPr>
               <a:t>所示：</a:t>
             </a:r>
+            <a:endParaRPr lang="zh-CN" altLang="en-US" sz="1200">
+              <a:latin typeface="微软雅黑" panose="020B0503020204020204" charset="-122"/>
+              <a:ea typeface="微软雅黑" panose="020B0503020204020204" charset="-122"/>
+              <a:sym typeface="宋体" panose="02010600030101010101" pitchFamily="2" charset="-122"/>
+            </a:endParaRPr>
           </a:p>
         </p:txBody>
       </p:sp>
@@ -12116,6 +12403,10 @@
               </a:rPr>
               <a:t>版本升级提示界面</a:t>
             </a:r>
+            <a:endParaRPr lang="zh-CN" altLang="en-US" sz="1200">
+              <a:latin typeface="微软雅黑" panose="020B0503020204020204" charset="-122"/>
+              <a:ea typeface="微软雅黑" panose="020B0503020204020204" charset="-122"/>
+            </a:endParaRPr>
           </a:p>
         </p:txBody>
       </p:sp>
@@ -12318,7 +12609,6 @@
       </a:bgFillStyleLst>
     </a:fmtScheme>
   </a:themeElements>
-  <a:objectDefaults/>
   <a:extraClrSchemeLst>
     <a:extraClrScheme>
       <a:clrScheme name="">
@@ -12815,7 +13105,7 @@
   </a:extraClrSchemeLst>
   <a:extLst>
     <a:ext uri="{05A4C25C-085E-4340-85A3-A5531E510DB2}">
-      <thm15:themeFamily xmlns:thm15="http://schemas.microsoft.com/office/thememl/2012/main" xmlns="" name="Office Theme" id="{62F939B6-93AF-4DB8-9C6B-D6C7DFDC589F}" vid="{4A3C46E8-61CC-4603-A589-7422A47A8E4A}"/>
+      <thm15:themeFamily xmlns:thm15="http://schemas.microsoft.com/office/thememl/2012/main" name="Office Theme" id="{62F939B6-93AF-4DB8-9C6B-D6C7DFDC589F}" vid="{4A3C46E8-61CC-4603-A589-7422A47A8E4A}"/>
     </a:ext>
   </a:extLst>
 </a:theme>
